--- a/Courses/Applied-Programmer/Programming-Fundamentals/03-Масиви-и-списъци/16.Списъци-сортиране.pptx
+++ b/Courses/Applied-Programmer/Programming-Fundamentals/03-Масиви-и-списъци/16.Списъци-сортиране.pptx
@@ -339,7 +339,7 @@
             <a:fld id="{FE5B4EDC-59C0-49C7-8ADA-5A781B329E02}" type="datetimeFigureOut">
               <a:rPr lang="en-US"/>
               <a:pPr/>
-              <a:t>16-Dec-19</a:t>
+              <a:t>13-Nov-20</a:t>
             </a:fld>
             <a:endParaRPr dirty="0"/>
           </a:p>
@@ -637,7 +637,7 @@
             <a:fld id="{F2D8D46A-B586-417D-BFBD-8C8FE0AAF762}" type="datetimeFigureOut">
               <a:rPr lang="en-US" smtClean="0"/>
               <a:pPr/>
-              <a:t>16-Dec-19</a:t>
+              <a:t>13-Nov-20</a:t>
             </a:fld>
             <a:endParaRPr lang="en-US" dirty="0"/>
           </a:p>
@@ -9304,6 +9304,143 @@
           </a:p>
         </p:txBody>
       </p:sp>
+      <p:sp>
+        <p:nvSpPr>
+          <p:cNvPr id="20" name="Rectangle 19"/>
+          <p:cNvSpPr/>
+          <p:nvPr/>
+        </p:nvSpPr>
+        <p:spPr>
+          <a:xfrm>
+            <a:off x="2270898" y="6320135"/>
+            <a:ext cx="7647030" cy="461665"/>
+          </a:xfrm>
+          <a:prstGeom prst="rect">
+            <a:avLst/>
+          </a:prstGeom>
+        </p:spPr>
+        <p:txBody>
+          <a:bodyPr wrap="none">
+            <a:spAutoFit/>
+          </a:bodyPr>
+          <a:lstStyle>
+            <a:defPPr>
+              <a:defRPr lang="en-US"/>
+            </a:defPPr>
+            <a:lvl1pPr marL="0" algn="l" defTabSz="1218987" rtl="0" eaLnBrk="1" latinLnBrk="0" hangingPunct="1">
+              <a:defRPr sz="2400" kern="1200">
+                <a:solidFill>
+                  <a:schemeClr val="tx1"/>
+                </a:solidFill>
+                <a:latin typeface="+mn-lt"/>
+                <a:ea typeface="+mn-ea"/>
+                <a:cs typeface="+mn-cs"/>
+              </a:defRPr>
+            </a:lvl1pPr>
+            <a:lvl2pPr marL="609493" algn="l" defTabSz="1218987" rtl="0" eaLnBrk="1" latinLnBrk="0" hangingPunct="1">
+              <a:defRPr sz="2400" kern="1200">
+                <a:solidFill>
+                  <a:schemeClr val="tx1"/>
+                </a:solidFill>
+                <a:latin typeface="+mn-lt"/>
+                <a:ea typeface="+mn-ea"/>
+                <a:cs typeface="+mn-cs"/>
+              </a:defRPr>
+            </a:lvl2pPr>
+            <a:lvl3pPr marL="1218987" algn="l" defTabSz="1218987" rtl="0" eaLnBrk="1" latinLnBrk="0" hangingPunct="1">
+              <a:defRPr sz="2400" kern="1200">
+                <a:solidFill>
+                  <a:schemeClr val="tx1"/>
+                </a:solidFill>
+                <a:latin typeface="+mn-lt"/>
+                <a:ea typeface="+mn-ea"/>
+                <a:cs typeface="+mn-cs"/>
+              </a:defRPr>
+            </a:lvl3pPr>
+            <a:lvl4pPr marL="1828480" algn="l" defTabSz="1218987" rtl="0" eaLnBrk="1" latinLnBrk="0" hangingPunct="1">
+              <a:defRPr sz="2400" kern="1200">
+                <a:solidFill>
+                  <a:schemeClr val="tx1"/>
+                </a:solidFill>
+                <a:latin typeface="+mn-lt"/>
+                <a:ea typeface="+mn-ea"/>
+                <a:cs typeface="+mn-cs"/>
+              </a:defRPr>
+            </a:lvl4pPr>
+            <a:lvl5pPr marL="2437973" algn="l" defTabSz="1218987" rtl="0" eaLnBrk="1" latinLnBrk="0" hangingPunct="1">
+              <a:defRPr sz="2400" kern="1200">
+                <a:solidFill>
+                  <a:schemeClr val="tx1"/>
+                </a:solidFill>
+                <a:latin typeface="+mn-lt"/>
+                <a:ea typeface="+mn-ea"/>
+                <a:cs typeface="+mn-cs"/>
+              </a:defRPr>
+            </a:lvl5pPr>
+            <a:lvl6pPr marL="3047467" algn="l" defTabSz="1218987" rtl="0" eaLnBrk="1" latinLnBrk="0" hangingPunct="1">
+              <a:defRPr sz="2400" kern="1200">
+                <a:solidFill>
+                  <a:schemeClr val="tx1"/>
+                </a:solidFill>
+                <a:latin typeface="+mn-lt"/>
+                <a:ea typeface="+mn-ea"/>
+                <a:cs typeface="+mn-cs"/>
+              </a:defRPr>
+            </a:lvl6pPr>
+            <a:lvl7pPr marL="3656960" algn="l" defTabSz="1218987" rtl="0" eaLnBrk="1" latinLnBrk="0" hangingPunct="1">
+              <a:defRPr sz="2400" kern="1200">
+                <a:solidFill>
+                  <a:schemeClr val="tx1"/>
+                </a:solidFill>
+                <a:latin typeface="+mn-lt"/>
+                <a:ea typeface="+mn-ea"/>
+                <a:cs typeface="+mn-cs"/>
+              </a:defRPr>
+            </a:lvl7pPr>
+            <a:lvl8pPr marL="4266453" algn="l" defTabSz="1218987" rtl="0" eaLnBrk="1" latinLnBrk="0" hangingPunct="1">
+              <a:defRPr sz="2400" kern="1200">
+                <a:solidFill>
+                  <a:schemeClr val="tx1"/>
+                </a:solidFill>
+                <a:latin typeface="+mn-lt"/>
+                <a:ea typeface="+mn-ea"/>
+                <a:cs typeface="+mn-cs"/>
+              </a:defRPr>
+            </a:lvl8pPr>
+            <a:lvl9pPr marL="4875947" algn="l" defTabSz="1218987" rtl="0" eaLnBrk="1" latinLnBrk="0" hangingPunct="1">
+              <a:defRPr sz="2400" kern="1200">
+                <a:solidFill>
+                  <a:schemeClr val="tx1"/>
+                </a:solidFill>
+                <a:latin typeface="+mn-lt"/>
+                <a:ea typeface="+mn-ea"/>
+                <a:cs typeface="+mn-cs"/>
+              </a:defRPr>
+            </a:lvl9pPr>
+          </a:lstStyle>
+          <a:p>
+            <a:r>
+              <a:rPr lang="bg-BG" dirty="0" smtClean="0"/>
+              <a:t>Тествайте</a:t>
+            </a:r>
+            <a:r>
+              <a:rPr lang="en-US" dirty="0" smtClean="0"/>
+              <a:t> </a:t>
+            </a:r>
+            <a:r>
+              <a:rPr lang="en-US" dirty="0"/>
+              <a:t>в Judge: </a:t>
+            </a:r>
+            <a:r>
+              <a:rPr lang="en-US" dirty="0" smtClean="0">
+                <a:hlinkClick r:id="rId2"/>
+              </a:rPr>
+              <a:t>https://judge.softuni.bg/Contests/2659</a:t>
+            </a:r>
+            <a:endParaRPr lang="en-US" dirty="0"/>
+          </a:p>
+        </p:txBody>
+      </p:sp>
     </p:spTree>
     <p:extLst>
       <p:ext uri="{BB962C8B-B14F-4D97-AF65-F5344CB8AC3E}">
@@ -10096,6 +10233,143 @@
                 </a:prstClr>
               </a:solidFill>
             </a:endParaRPr>
+          </a:p>
+        </p:txBody>
+      </p:sp>
+      <p:sp>
+        <p:nvSpPr>
+          <p:cNvPr id="10" name="Rectangle 9"/>
+          <p:cNvSpPr/>
+          <p:nvPr/>
+        </p:nvSpPr>
+        <p:spPr>
+          <a:xfrm>
+            <a:off x="2270898" y="6324600"/>
+            <a:ext cx="7647030" cy="461665"/>
+          </a:xfrm>
+          <a:prstGeom prst="rect">
+            <a:avLst/>
+          </a:prstGeom>
+        </p:spPr>
+        <p:txBody>
+          <a:bodyPr wrap="none">
+            <a:spAutoFit/>
+          </a:bodyPr>
+          <a:lstStyle>
+            <a:defPPr>
+              <a:defRPr lang="en-US"/>
+            </a:defPPr>
+            <a:lvl1pPr marL="0" algn="l" defTabSz="1218987" rtl="0" eaLnBrk="1" latinLnBrk="0" hangingPunct="1">
+              <a:defRPr sz="2400" kern="1200">
+                <a:solidFill>
+                  <a:schemeClr val="tx1"/>
+                </a:solidFill>
+                <a:latin typeface="+mn-lt"/>
+                <a:ea typeface="+mn-ea"/>
+                <a:cs typeface="+mn-cs"/>
+              </a:defRPr>
+            </a:lvl1pPr>
+            <a:lvl2pPr marL="609493" algn="l" defTabSz="1218987" rtl="0" eaLnBrk="1" latinLnBrk="0" hangingPunct="1">
+              <a:defRPr sz="2400" kern="1200">
+                <a:solidFill>
+                  <a:schemeClr val="tx1"/>
+                </a:solidFill>
+                <a:latin typeface="+mn-lt"/>
+                <a:ea typeface="+mn-ea"/>
+                <a:cs typeface="+mn-cs"/>
+              </a:defRPr>
+            </a:lvl2pPr>
+            <a:lvl3pPr marL="1218987" algn="l" defTabSz="1218987" rtl="0" eaLnBrk="1" latinLnBrk="0" hangingPunct="1">
+              <a:defRPr sz="2400" kern="1200">
+                <a:solidFill>
+                  <a:schemeClr val="tx1"/>
+                </a:solidFill>
+                <a:latin typeface="+mn-lt"/>
+                <a:ea typeface="+mn-ea"/>
+                <a:cs typeface="+mn-cs"/>
+              </a:defRPr>
+            </a:lvl3pPr>
+            <a:lvl4pPr marL="1828480" algn="l" defTabSz="1218987" rtl="0" eaLnBrk="1" latinLnBrk="0" hangingPunct="1">
+              <a:defRPr sz="2400" kern="1200">
+                <a:solidFill>
+                  <a:schemeClr val="tx1"/>
+                </a:solidFill>
+                <a:latin typeface="+mn-lt"/>
+                <a:ea typeface="+mn-ea"/>
+                <a:cs typeface="+mn-cs"/>
+              </a:defRPr>
+            </a:lvl4pPr>
+            <a:lvl5pPr marL="2437973" algn="l" defTabSz="1218987" rtl="0" eaLnBrk="1" latinLnBrk="0" hangingPunct="1">
+              <a:defRPr sz="2400" kern="1200">
+                <a:solidFill>
+                  <a:schemeClr val="tx1"/>
+                </a:solidFill>
+                <a:latin typeface="+mn-lt"/>
+                <a:ea typeface="+mn-ea"/>
+                <a:cs typeface="+mn-cs"/>
+              </a:defRPr>
+            </a:lvl5pPr>
+            <a:lvl6pPr marL="3047467" algn="l" defTabSz="1218987" rtl="0" eaLnBrk="1" latinLnBrk="0" hangingPunct="1">
+              <a:defRPr sz="2400" kern="1200">
+                <a:solidFill>
+                  <a:schemeClr val="tx1"/>
+                </a:solidFill>
+                <a:latin typeface="+mn-lt"/>
+                <a:ea typeface="+mn-ea"/>
+                <a:cs typeface="+mn-cs"/>
+              </a:defRPr>
+            </a:lvl6pPr>
+            <a:lvl7pPr marL="3656960" algn="l" defTabSz="1218987" rtl="0" eaLnBrk="1" latinLnBrk="0" hangingPunct="1">
+              <a:defRPr sz="2400" kern="1200">
+                <a:solidFill>
+                  <a:schemeClr val="tx1"/>
+                </a:solidFill>
+                <a:latin typeface="+mn-lt"/>
+                <a:ea typeface="+mn-ea"/>
+                <a:cs typeface="+mn-cs"/>
+              </a:defRPr>
+            </a:lvl7pPr>
+            <a:lvl8pPr marL="4266453" algn="l" defTabSz="1218987" rtl="0" eaLnBrk="1" latinLnBrk="0" hangingPunct="1">
+              <a:defRPr sz="2400" kern="1200">
+                <a:solidFill>
+                  <a:schemeClr val="tx1"/>
+                </a:solidFill>
+                <a:latin typeface="+mn-lt"/>
+                <a:ea typeface="+mn-ea"/>
+                <a:cs typeface="+mn-cs"/>
+              </a:defRPr>
+            </a:lvl8pPr>
+            <a:lvl9pPr marL="4875947" algn="l" defTabSz="1218987" rtl="0" eaLnBrk="1" latinLnBrk="0" hangingPunct="1">
+              <a:defRPr sz="2400" kern="1200">
+                <a:solidFill>
+                  <a:schemeClr val="tx1"/>
+                </a:solidFill>
+                <a:latin typeface="+mn-lt"/>
+                <a:ea typeface="+mn-ea"/>
+                <a:cs typeface="+mn-cs"/>
+              </a:defRPr>
+            </a:lvl9pPr>
+          </a:lstStyle>
+          <a:p>
+            <a:r>
+              <a:rPr lang="bg-BG" dirty="0" smtClean="0"/>
+              <a:t>Тествайте</a:t>
+            </a:r>
+            <a:r>
+              <a:rPr lang="en-US" dirty="0" smtClean="0"/>
+              <a:t> </a:t>
+            </a:r>
+            <a:r>
+              <a:rPr lang="en-US" dirty="0"/>
+              <a:t>в Judge: </a:t>
+            </a:r>
+            <a:r>
+              <a:rPr lang="en-US" dirty="0" smtClean="0">
+                <a:hlinkClick r:id="rId2"/>
+              </a:rPr>
+              <a:t>https://judge.softuni.bg/Contests/2659</a:t>
+            </a:r>
+            <a:endParaRPr lang="en-US" dirty="0"/>
           </a:p>
         </p:txBody>
       </p:sp>
@@ -11430,6 +11704,143 @@
           </a:p>
         </p:txBody>
       </p:sp>
+      <p:sp>
+        <p:nvSpPr>
+          <p:cNvPr id="14" name="Rectangle 13"/>
+          <p:cNvSpPr/>
+          <p:nvPr/>
+        </p:nvSpPr>
+        <p:spPr>
+          <a:xfrm>
+            <a:off x="2270898" y="6320135"/>
+            <a:ext cx="7647030" cy="461665"/>
+          </a:xfrm>
+          <a:prstGeom prst="rect">
+            <a:avLst/>
+          </a:prstGeom>
+        </p:spPr>
+        <p:txBody>
+          <a:bodyPr wrap="none">
+            <a:spAutoFit/>
+          </a:bodyPr>
+          <a:lstStyle>
+            <a:defPPr>
+              <a:defRPr lang="en-US"/>
+            </a:defPPr>
+            <a:lvl1pPr marL="0" algn="l" defTabSz="1218987" rtl="0" eaLnBrk="1" latinLnBrk="0" hangingPunct="1">
+              <a:defRPr sz="2400" kern="1200">
+                <a:solidFill>
+                  <a:schemeClr val="tx1"/>
+                </a:solidFill>
+                <a:latin typeface="+mn-lt"/>
+                <a:ea typeface="+mn-ea"/>
+                <a:cs typeface="+mn-cs"/>
+              </a:defRPr>
+            </a:lvl1pPr>
+            <a:lvl2pPr marL="609493" algn="l" defTabSz="1218987" rtl="0" eaLnBrk="1" latinLnBrk="0" hangingPunct="1">
+              <a:defRPr sz="2400" kern="1200">
+                <a:solidFill>
+                  <a:schemeClr val="tx1"/>
+                </a:solidFill>
+                <a:latin typeface="+mn-lt"/>
+                <a:ea typeface="+mn-ea"/>
+                <a:cs typeface="+mn-cs"/>
+              </a:defRPr>
+            </a:lvl2pPr>
+            <a:lvl3pPr marL="1218987" algn="l" defTabSz="1218987" rtl="0" eaLnBrk="1" latinLnBrk="0" hangingPunct="1">
+              <a:defRPr sz="2400" kern="1200">
+                <a:solidFill>
+                  <a:schemeClr val="tx1"/>
+                </a:solidFill>
+                <a:latin typeface="+mn-lt"/>
+                <a:ea typeface="+mn-ea"/>
+                <a:cs typeface="+mn-cs"/>
+              </a:defRPr>
+            </a:lvl3pPr>
+            <a:lvl4pPr marL="1828480" algn="l" defTabSz="1218987" rtl="0" eaLnBrk="1" latinLnBrk="0" hangingPunct="1">
+              <a:defRPr sz="2400" kern="1200">
+                <a:solidFill>
+                  <a:schemeClr val="tx1"/>
+                </a:solidFill>
+                <a:latin typeface="+mn-lt"/>
+                <a:ea typeface="+mn-ea"/>
+                <a:cs typeface="+mn-cs"/>
+              </a:defRPr>
+            </a:lvl4pPr>
+            <a:lvl5pPr marL="2437973" algn="l" defTabSz="1218987" rtl="0" eaLnBrk="1" latinLnBrk="0" hangingPunct="1">
+              <a:defRPr sz="2400" kern="1200">
+                <a:solidFill>
+                  <a:schemeClr val="tx1"/>
+                </a:solidFill>
+                <a:latin typeface="+mn-lt"/>
+                <a:ea typeface="+mn-ea"/>
+                <a:cs typeface="+mn-cs"/>
+              </a:defRPr>
+            </a:lvl5pPr>
+            <a:lvl6pPr marL="3047467" algn="l" defTabSz="1218987" rtl="0" eaLnBrk="1" latinLnBrk="0" hangingPunct="1">
+              <a:defRPr sz="2400" kern="1200">
+                <a:solidFill>
+                  <a:schemeClr val="tx1"/>
+                </a:solidFill>
+                <a:latin typeface="+mn-lt"/>
+                <a:ea typeface="+mn-ea"/>
+                <a:cs typeface="+mn-cs"/>
+              </a:defRPr>
+            </a:lvl6pPr>
+            <a:lvl7pPr marL="3656960" algn="l" defTabSz="1218987" rtl="0" eaLnBrk="1" latinLnBrk="0" hangingPunct="1">
+              <a:defRPr sz="2400" kern="1200">
+                <a:solidFill>
+                  <a:schemeClr val="tx1"/>
+                </a:solidFill>
+                <a:latin typeface="+mn-lt"/>
+                <a:ea typeface="+mn-ea"/>
+                <a:cs typeface="+mn-cs"/>
+              </a:defRPr>
+            </a:lvl7pPr>
+            <a:lvl8pPr marL="4266453" algn="l" defTabSz="1218987" rtl="0" eaLnBrk="1" latinLnBrk="0" hangingPunct="1">
+              <a:defRPr sz="2400" kern="1200">
+                <a:solidFill>
+                  <a:schemeClr val="tx1"/>
+                </a:solidFill>
+                <a:latin typeface="+mn-lt"/>
+                <a:ea typeface="+mn-ea"/>
+                <a:cs typeface="+mn-cs"/>
+              </a:defRPr>
+            </a:lvl8pPr>
+            <a:lvl9pPr marL="4875947" algn="l" defTabSz="1218987" rtl="0" eaLnBrk="1" latinLnBrk="0" hangingPunct="1">
+              <a:defRPr sz="2400" kern="1200">
+                <a:solidFill>
+                  <a:schemeClr val="tx1"/>
+                </a:solidFill>
+                <a:latin typeface="+mn-lt"/>
+                <a:ea typeface="+mn-ea"/>
+                <a:cs typeface="+mn-cs"/>
+              </a:defRPr>
+            </a:lvl9pPr>
+          </a:lstStyle>
+          <a:p>
+            <a:r>
+              <a:rPr lang="bg-BG" dirty="0" smtClean="0"/>
+              <a:t>Тествайте</a:t>
+            </a:r>
+            <a:r>
+              <a:rPr lang="en-US" dirty="0" smtClean="0"/>
+              <a:t> </a:t>
+            </a:r>
+            <a:r>
+              <a:rPr lang="en-US" dirty="0"/>
+              <a:t>в Judge: </a:t>
+            </a:r>
+            <a:r>
+              <a:rPr lang="en-US" dirty="0" smtClean="0">
+                <a:hlinkClick r:id="rId2"/>
+              </a:rPr>
+              <a:t>https://judge.softuni.bg/Contests/2659</a:t>
+            </a:r>
+            <a:endParaRPr lang="en-US" dirty="0"/>
+          </a:p>
+        </p:txBody>
+      </p:sp>
     </p:spTree>
     <p:extLst>
       <p:ext uri="{BB962C8B-B14F-4D97-AF65-F5344CB8AC3E}">
@@ -12614,6 +13025,143 @@
           </a:p>
         </p:txBody>
       </p:sp>
+      <p:sp>
+        <p:nvSpPr>
+          <p:cNvPr id="15" name="Rectangle 14"/>
+          <p:cNvSpPr/>
+          <p:nvPr/>
+        </p:nvSpPr>
+        <p:spPr>
+          <a:xfrm>
+            <a:off x="2270898" y="6320135"/>
+            <a:ext cx="7647030" cy="461665"/>
+          </a:xfrm>
+          <a:prstGeom prst="rect">
+            <a:avLst/>
+          </a:prstGeom>
+        </p:spPr>
+        <p:txBody>
+          <a:bodyPr wrap="none">
+            <a:spAutoFit/>
+          </a:bodyPr>
+          <a:lstStyle>
+            <a:defPPr>
+              <a:defRPr lang="en-US"/>
+            </a:defPPr>
+            <a:lvl1pPr marL="0" algn="l" defTabSz="1218987" rtl="0" eaLnBrk="1" latinLnBrk="0" hangingPunct="1">
+              <a:defRPr sz="2400" kern="1200">
+                <a:solidFill>
+                  <a:schemeClr val="tx1"/>
+                </a:solidFill>
+                <a:latin typeface="+mn-lt"/>
+                <a:ea typeface="+mn-ea"/>
+                <a:cs typeface="+mn-cs"/>
+              </a:defRPr>
+            </a:lvl1pPr>
+            <a:lvl2pPr marL="609493" algn="l" defTabSz="1218987" rtl="0" eaLnBrk="1" latinLnBrk="0" hangingPunct="1">
+              <a:defRPr sz="2400" kern="1200">
+                <a:solidFill>
+                  <a:schemeClr val="tx1"/>
+                </a:solidFill>
+                <a:latin typeface="+mn-lt"/>
+                <a:ea typeface="+mn-ea"/>
+                <a:cs typeface="+mn-cs"/>
+              </a:defRPr>
+            </a:lvl2pPr>
+            <a:lvl3pPr marL="1218987" algn="l" defTabSz="1218987" rtl="0" eaLnBrk="1" latinLnBrk="0" hangingPunct="1">
+              <a:defRPr sz="2400" kern="1200">
+                <a:solidFill>
+                  <a:schemeClr val="tx1"/>
+                </a:solidFill>
+                <a:latin typeface="+mn-lt"/>
+                <a:ea typeface="+mn-ea"/>
+                <a:cs typeface="+mn-cs"/>
+              </a:defRPr>
+            </a:lvl3pPr>
+            <a:lvl4pPr marL="1828480" algn="l" defTabSz="1218987" rtl="0" eaLnBrk="1" latinLnBrk="0" hangingPunct="1">
+              <a:defRPr sz="2400" kern="1200">
+                <a:solidFill>
+                  <a:schemeClr val="tx1"/>
+                </a:solidFill>
+                <a:latin typeface="+mn-lt"/>
+                <a:ea typeface="+mn-ea"/>
+                <a:cs typeface="+mn-cs"/>
+              </a:defRPr>
+            </a:lvl4pPr>
+            <a:lvl5pPr marL="2437973" algn="l" defTabSz="1218987" rtl="0" eaLnBrk="1" latinLnBrk="0" hangingPunct="1">
+              <a:defRPr sz="2400" kern="1200">
+                <a:solidFill>
+                  <a:schemeClr val="tx1"/>
+                </a:solidFill>
+                <a:latin typeface="+mn-lt"/>
+                <a:ea typeface="+mn-ea"/>
+                <a:cs typeface="+mn-cs"/>
+              </a:defRPr>
+            </a:lvl5pPr>
+            <a:lvl6pPr marL="3047467" algn="l" defTabSz="1218987" rtl="0" eaLnBrk="1" latinLnBrk="0" hangingPunct="1">
+              <a:defRPr sz="2400" kern="1200">
+                <a:solidFill>
+                  <a:schemeClr val="tx1"/>
+                </a:solidFill>
+                <a:latin typeface="+mn-lt"/>
+                <a:ea typeface="+mn-ea"/>
+                <a:cs typeface="+mn-cs"/>
+              </a:defRPr>
+            </a:lvl6pPr>
+            <a:lvl7pPr marL="3656960" algn="l" defTabSz="1218987" rtl="0" eaLnBrk="1" latinLnBrk="0" hangingPunct="1">
+              <a:defRPr sz="2400" kern="1200">
+                <a:solidFill>
+                  <a:schemeClr val="tx1"/>
+                </a:solidFill>
+                <a:latin typeface="+mn-lt"/>
+                <a:ea typeface="+mn-ea"/>
+                <a:cs typeface="+mn-cs"/>
+              </a:defRPr>
+            </a:lvl7pPr>
+            <a:lvl8pPr marL="4266453" algn="l" defTabSz="1218987" rtl="0" eaLnBrk="1" latinLnBrk="0" hangingPunct="1">
+              <a:defRPr sz="2400" kern="1200">
+                <a:solidFill>
+                  <a:schemeClr val="tx1"/>
+                </a:solidFill>
+                <a:latin typeface="+mn-lt"/>
+                <a:ea typeface="+mn-ea"/>
+                <a:cs typeface="+mn-cs"/>
+              </a:defRPr>
+            </a:lvl8pPr>
+            <a:lvl9pPr marL="4875947" algn="l" defTabSz="1218987" rtl="0" eaLnBrk="1" latinLnBrk="0" hangingPunct="1">
+              <a:defRPr sz="2400" kern="1200">
+                <a:solidFill>
+                  <a:schemeClr val="tx1"/>
+                </a:solidFill>
+                <a:latin typeface="+mn-lt"/>
+                <a:ea typeface="+mn-ea"/>
+                <a:cs typeface="+mn-cs"/>
+              </a:defRPr>
+            </a:lvl9pPr>
+          </a:lstStyle>
+          <a:p>
+            <a:r>
+              <a:rPr lang="bg-BG" dirty="0" smtClean="0"/>
+              <a:t>Тествайте</a:t>
+            </a:r>
+            <a:r>
+              <a:rPr lang="en-US" dirty="0" smtClean="0"/>
+              <a:t> </a:t>
+            </a:r>
+            <a:r>
+              <a:rPr lang="en-US" dirty="0"/>
+              <a:t>в Judge: </a:t>
+            </a:r>
+            <a:r>
+              <a:rPr lang="en-US" dirty="0" smtClean="0">
+                <a:hlinkClick r:id="rId2"/>
+              </a:rPr>
+              <a:t>https://judge.softuni.bg/Contests/2659</a:t>
+            </a:r>
+            <a:endParaRPr lang="en-US" dirty="0"/>
+          </a:p>
+        </p:txBody>
+      </p:sp>
     </p:spTree>
     <p:extLst>
       <p:ext uri="{BB962C8B-B14F-4D97-AF65-F5344CB8AC3E}">
@@ -13342,6 +13890,143 @@
                 </a:prstClr>
               </a:solidFill>
             </a:endParaRPr>
+          </a:p>
+        </p:txBody>
+      </p:sp>
+      <p:sp>
+        <p:nvSpPr>
+          <p:cNvPr id="8" name="Rectangle 7"/>
+          <p:cNvSpPr/>
+          <p:nvPr/>
+        </p:nvSpPr>
+        <p:spPr>
+          <a:xfrm>
+            <a:off x="2270898" y="6320135"/>
+            <a:ext cx="7647030" cy="461665"/>
+          </a:xfrm>
+          <a:prstGeom prst="rect">
+            <a:avLst/>
+          </a:prstGeom>
+        </p:spPr>
+        <p:txBody>
+          <a:bodyPr wrap="none">
+            <a:spAutoFit/>
+          </a:bodyPr>
+          <a:lstStyle>
+            <a:defPPr>
+              <a:defRPr lang="en-US"/>
+            </a:defPPr>
+            <a:lvl1pPr marL="0" algn="l" defTabSz="1218987" rtl="0" eaLnBrk="1" latinLnBrk="0" hangingPunct="1">
+              <a:defRPr sz="2400" kern="1200">
+                <a:solidFill>
+                  <a:schemeClr val="tx1"/>
+                </a:solidFill>
+                <a:latin typeface="+mn-lt"/>
+                <a:ea typeface="+mn-ea"/>
+                <a:cs typeface="+mn-cs"/>
+              </a:defRPr>
+            </a:lvl1pPr>
+            <a:lvl2pPr marL="609493" algn="l" defTabSz="1218987" rtl="0" eaLnBrk="1" latinLnBrk="0" hangingPunct="1">
+              <a:defRPr sz="2400" kern="1200">
+                <a:solidFill>
+                  <a:schemeClr val="tx1"/>
+                </a:solidFill>
+                <a:latin typeface="+mn-lt"/>
+                <a:ea typeface="+mn-ea"/>
+                <a:cs typeface="+mn-cs"/>
+              </a:defRPr>
+            </a:lvl2pPr>
+            <a:lvl3pPr marL="1218987" algn="l" defTabSz="1218987" rtl="0" eaLnBrk="1" latinLnBrk="0" hangingPunct="1">
+              <a:defRPr sz="2400" kern="1200">
+                <a:solidFill>
+                  <a:schemeClr val="tx1"/>
+                </a:solidFill>
+                <a:latin typeface="+mn-lt"/>
+                <a:ea typeface="+mn-ea"/>
+                <a:cs typeface="+mn-cs"/>
+              </a:defRPr>
+            </a:lvl3pPr>
+            <a:lvl4pPr marL="1828480" algn="l" defTabSz="1218987" rtl="0" eaLnBrk="1" latinLnBrk="0" hangingPunct="1">
+              <a:defRPr sz="2400" kern="1200">
+                <a:solidFill>
+                  <a:schemeClr val="tx1"/>
+                </a:solidFill>
+                <a:latin typeface="+mn-lt"/>
+                <a:ea typeface="+mn-ea"/>
+                <a:cs typeface="+mn-cs"/>
+              </a:defRPr>
+            </a:lvl4pPr>
+            <a:lvl5pPr marL="2437973" algn="l" defTabSz="1218987" rtl="0" eaLnBrk="1" latinLnBrk="0" hangingPunct="1">
+              <a:defRPr sz="2400" kern="1200">
+                <a:solidFill>
+                  <a:schemeClr val="tx1"/>
+                </a:solidFill>
+                <a:latin typeface="+mn-lt"/>
+                <a:ea typeface="+mn-ea"/>
+                <a:cs typeface="+mn-cs"/>
+              </a:defRPr>
+            </a:lvl5pPr>
+            <a:lvl6pPr marL="3047467" algn="l" defTabSz="1218987" rtl="0" eaLnBrk="1" latinLnBrk="0" hangingPunct="1">
+              <a:defRPr sz="2400" kern="1200">
+                <a:solidFill>
+                  <a:schemeClr val="tx1"/>
+                </a:solidFill>
+                <a:latin typeface="+mn-lt"/>
+                <a:ea typeface="+mn-ea"/>
+                <a:cs typeface="+mn-cs"/>
+              </a:defRPr>
+            </a:lvl6pPr>
+            <a:lvl7pPr marL="3656960" algn="l" defTabSz="1218987" rtl="0" eaLnBrk="1" latinLnBrk="0" hangingPunct="1">
+              <a:defRPr sz="2400" kern="1200">
+                <a:solidFill>
+                  <a:schemeClr val="tx1"/>
+                </a:solidFill>
+                <a:latin typeface="+mn-lt"/>
+                <a:ea typeface="+mn-ea"/>
+                <a:cs typeface="+mn-cs"/>
+              </a:defRPr>
+            </a:lvl7pPr>
+            <a:lvl8pPr marL="4266453" algn="l" defTabSz="1218987" rtl="0" eaLnBrk="1" latinLnBrk="0" hangingPunct="1">
+              <a:defRPr sz="2400" kern="1200">
+                <a:solidFill>
+                  <a:schemeClr val="tx1"/>
+                </a:solidFill>
+                <a:latin typeface="+mn-lt"/>
+                <a:ea typeface="+mn-ea"/>
+                <a:cs typeface="+mn-cs"/>
+              </a:defRPr>
+            </a:lvl8pPr>
+            <a:lvl9pPr marL="4875947" algn="l" defTabSz="1218987" rtl="0" eaLnBrk="1" latinLnBrk="0" hangingPunct="1">
+              <a:defRPr sz="2400" kern="1200">
+                <a:solidFill>
+                  <a:schemeClr val="tx1"/>
+                </a:solidFill>
+                <a:latin typeface="+mn-lt"/>
+                <a:ea typeface="+mn-ea"/>
+                <a:cs typeface="+mn-cs"/>
+              </a:defRPr>
+            </a:lvl9pPr>
+          </a:lstStyle>
+          <a:p>
+            <a:r>
+              <a:rPr lang="bg-BG" dirty="0" smtClean="0"/>
+              <a:t>Тествайте</a:t>
+            </a:r>
+            <a:r>
+              <a:rPr lang="en-US" dirty="0" smtClean="0"/>
+              <a:t> </a:t>
+            </a:r>
+            <a:r>
+              <a:rPr lang="en-US" dirty="0"/>
+              <a:t>в Judge: </a:t>
+            </a:r>
+            <a:r>
+              <a:rPr lang="en-US" dirty="0" smtClean="0">
+                <a:hlinkClick r:id="rId2"/>
+              </a:rPr>
+              <a:t>https://judge.softuni.bg/Contests/2659</a:t>
+            </a:r>
+            <a:endParaRPr lang="en-US" dirty="0"/>
           </a:p>
         </p:txBody>
       </p:sp>
@@ -14535,6 +15220,143 @@
                 </a:prstClr>
               </a:solidFill>
             </a:endParaRPr>
+          </a:p>
+        </p:txBody>
+      </p:sp>
+      <p:sp>
+        <p:nvSpPr>
+          <p:cNvPr id="8" name="Rectangle 7"/>
+          <p:cNvSpPr/>
+          <p:nvPr/>
+        </p:nvSpPr>
+        <p:spPr>
+          <a:xfrm>
+            <a:off x="2270898" y="6320135"/>
+            <a:ext cx="7647030" cy="461665"/>
+          </a:xfrm>
+          <a:prstGeom prst="rect">
+            <a:avLst/>
+          </a:prstGeom>
+        </p:spPr>
+        <p:txBody>
+          <a:bodyPr wrap="none">
+            <a:spAutoFit/>
+          </a:bodyPr>
+          <a:lstStyle>
+            <a:defPPr>
+              <a:defRPr lang="en-US"/>
+            </a:defPPr>
+            <a:lvl1pPr marL="0" algn="l" defTabSz="1218987" rtl="0" eaLnBrk="1" latinLnBrk="0" hangingPunct="1">
+              <a:defRPr sz="2400" kern="1200">
+                <a:solidFill>
+                  <a:schemeClr val="tx1"/>
+                </a:solidFill>
+                <a:latin typeface="+mn-lt"/>
+                <a:ea typeface="+mn-ea"/>
+                <a:cs typeface="+mn-cs"/>
+              </a:defRPr>
+            </a:lvl1pPr>
+            <a:lvl2pPr marL="609493" algn="l" defTabSz="1218987" rtl="0" eaLnBrk="1" latinLnBrk="0" hangingPunct="1">
+              <a:defRPr sz="2400" kern="1200">
+                <a:solidFill>
+                  <a:schemeClr val="tx1"/>
+                </a:solidFill>
+                <a:latin typeface="+mn-lt"/>
+                <a:ea typeface="+mn-ea"/>
+                <a:cs typeface="+mn-cs"/>
+              </a:defRPr>
+            </a:lvl2pPr>
+            <a:lvl3pPr marL="1218987" algn="l" defTabSz="1218987" rtl="0" eaLnBrk="1" latinLnBrk="0" hangingPunct="1">
+              <a:defRPr sz="2400" kern="1200">
+                <a:solidFill>
+                  <a:schemeClr val="tx1"/>
+                </a:solidFill>
+                <a:latin typeface="+mn-lt"/>
+                <a:ea typeface="+mn-ea"/>
+                <a:cs typeface="+mn-cs"/>
+              </a:defRPr>
+            </a:lvl3pPr>
+            <a:lvl4pPr marL="1828480" algn="l" defTabSz="1218987" rtl="0" eaLnBrk="1" latinLnBrk="0" hangingPunct="1">
+              <a:defRPr sz="2400" kern="1200">
+                <a:solidFill>
+                  <a:schemeClr val="tx1"/>
+                </a:solidFill>
+                <a:latin typeface="+mn-lt"/>
+                <a:ea typeface="+mn-ea"/>
+                <a:cs typeface="+mn-cs"/>
+              </a:defRPr>
+            </a:lvl4pPr>
+            <a:lvl5pPr marL="2437973" algn="l" defTabSz="1218987" rtl="0" eaLnBrk="1" latinLnBrk="0" hangingPunct="1">
+              <a:defRPr sz="2400" kern="1200">
+                <a:solidFill>
+                  <a:schemeClr val="tx1"/>
+                </a:solidFill>
+                <a:latin typeface="+mn-lt"/>
+                <a:ea typeface="+mn-ea"/>
+                <a:cs typeface="+mn-cs"/>
+              </a:defRPr>
+            </a:lvl5pPr>
+            <a:lvl6pPr marL="3047467" algn="l" defTabSz="1218987" rtl="0" eaLnBrk="1" latinLnBrk="0" hangingPunct="1">
+              <a:defRPr sz="2400" kern="1200">
+                <a:solidFill>
+                  <a:schemeClr val="tx1"/>
+                </a:solidFill>
+                <a:latin typeface="+mn-lt"/>
+                <a:ea typeface="+mn-ea"/>
+                <a:cs typeface="+mn-cs"/>
+              </a:defRPr>
+            </a:lvl6pPr>
+            <a:lvl7pPr marL="3656960" algn="l" defTabSz="1218987" rtl="0" eaLnBrk="1" latinLnBrk="0" hangingPunct="1">
+              <a:defRPr sz="2400" kern="1200">
+                <a:solidFill>
+                  <a:schemeClr val="tx1"/>
+                </a:solidFill>
+                <a:latin typeface="+mn-lt"/>
+                <a:ea typeface="+mn-ea"/>
+                <a:cs typeface="+mn-cs"/>
+              </a:defRPr>
+            </a:lvl7pPr>
+            <a:lvl8pPr marL="4266453" algn="l" defTabSz="1218987" rtl="0" eaLnBrk="1" latinLnBrk="0" hangingPunct="1">
+              <a:defRPr sz="2400" kern="1200">
+                <a:solidFill>
+                  <a:schemeClr val="tx1"/>
+                </a:solidFill>
+                <a:latin typeface="+mn-lt"/>
+                <a:ea typeface="+mn-ea"/>
+                <a:cs typeface="+mn-cs"/>
+              </a:defRPr>
+            </a:lvl8pPr>
+            <a:lvl9pPr marL="4875947" algn="l" defTabSz="1218987" rtl="0" eaLnBrk="1" latinLnBrk="0" hangingPunct="1">
+              <a:defRPr sz="2400" kern="1200">
+                <a:solidFill>
+                  <a:schemeClr val="tx1"/>
+                </a:solidFill>
+                <a:latin typeface="+mn-lt"/>
+                <a:ea typeface="+mn-ea"/>
+                <a:cs typeface="+mn-cs"/>
+              </a:defRPr>
+            </a:lvl9pPr>
+          </a:lstStyle>
+          <a:p>
+            <a:r>
+              <a:rPr lang="bg-BG" dirty="0" smtClean="0"/>
+              <a:t>Тествайте</a:t>
+            </a:r>
+            <a:r>
+              <a:rPr lang="en-US" dirty="0" smtClean="0"/>
+              <a:t> </a:t>
+            </a:r>
+            <a:r>
+              <a:rPr lang="en-US" dirty="0"/>
+              <a:t>в Judge: </a:t>
+            </a:r>
+            <a:r>
+              <a:rPr lang="en-US" dirty="0" smtClean="0">
+                <a:hlinkClick r:id="rId2"/>
+              </a:rPr>
+              <a:t>https://judge.softuni.bg/Contests/2659</a:t>
+            </a:r>
+            <a:endParaRPr lang="en-US" dirty="0"/>
           </a:p>
         </p:txBody>
       </p:sp>

--- a/Courses/Applied-Programmer/Programming-Fundamentals/03-Масиви-и-списъци/16.Списъци-сортиране.pptx
+++ b/Courses/Applied-Programmer/Programming-Fundamentals/03-Масиви-и-списъци/16.Списъци-сортиране.pptx
@@ -339,7 +339,7 @@
             <a:fld id="{FE5B4EDC-59C0-49C7-8ADA-5A781B329E02}" type="datetimeFigureOut">
               <a:rPr lang="en-US"/>
               <a:pPr/>
-              <a:t>13-Nov-20</a:t>
+              <a:t>19-Nov-20</a:t>
             </a:fld>
             <a:endParaRPr dirty="0"/>
           </a:p>
@@ -637,7 +637,7 @@
             <a:fld id="{F2D8D46A-B586-417D-BFBD-8C8FE0AAF762}" type="datetimeFigureOut">
               <a:rPr lang="en-US" smtClean="0"/>
               <a:pPr/>
-              <a:t>13-Nov-20</a:t>
+              <a:t>19-Nov-20</a:t>
             </a:fld>
             <a:endParaRPr lang="en-US" dirty="0"/>
           </a:p>
@@ -3826,10 +3826,10 @@
         </p:nvGrpSpPr>
         <p:grpSpPr>
           <a:xfrm>
-            <a:off x="760412" y="3583505"/>
-            <a:ext cx="5043827" cy="2524722"/>
-            <a:chOff x="745783" y="3624633"/>
-            <a:chExt cx="5043827" cy="2524722"/>
+            <a:off x="275731" y="3583505"/>
+            <a:ext cx="5528508" cy="2695524"/>
+            <a:chOff x="261102" y="3624633"/>
+            <a:chExt cx="5528508" cy="2695524"/>
           </a:xfrm>
         </p:grpSpPr>
         <p:pic>
@@ -3886,7 +3886,7 @@
           </p:blipFill>
           <p:spPr bwMode="auto">
             <a:xfrm>
-              <a:off x="745783" y="4076772"/>
+              <a:off x="306254" y="4255889"/>
               <a:ext cx="2175525" cy="761165"/>
             </a:xfrm>
             <a:prstGeom prst="roundRect">
@@ -3925,7 +3925,7 @@
           </p:nvSpPr>
           <p:spPr bwMode="auto">
             <a:xfrm>
-              <a:off x="760413" y="4998598"/>
+              <a:off x="261102" y="5023990"/>
               <a:ext cx="3187614" cy="444343"/>
             </a:xfrm>
             <a:prstGeom prst="rect">
@@ -4182,7 +4182,7 @@
           </p:nvSpPr>
           <p:spPr bwMode="auto">
             <a:xfrm>
-              <a:off x="760412" y="5403725"/>
+              <a:off x="261102" y="5478907"/>
               <a:ext cx="3187613" cy="382788"/>
             </a:xfrm>
             <a:prstGeom prst="rect">
@@ -4438,7 +4438,7 @@
           </p:nvSpPr>
           <p:spPr bwMode="auto">
             <a:xfrm>
-              <a:off x="760412" y="5690893"/>
+              <a:off x="261102" y="5861695"/>
               <a:ext cx="3810000" cy="458462"/>
             </a:xfrm>
             <a:prstGeom prst="rect">
@@ -4679,6 +4679,141 @@
           </p:txBody>
         </p:sp>
       </p:grpSp>
+      <p:sp>
+        <p:nvSpPr>
+          <p:cNvPr id="12" name="Text Placeholder 11">
+            <a:extLst>
+              <a:ext uri="{FF2B5EF4-FFF2-40B4-BE49-F238E27FC236}">
+                <a16:creationId xmlns:a16="http://schemas.microsoft.com/office/drawing/2014/main" id="{237E0CD8-672F-46AC-9679-344D5F9CD52B}"/>
+              </a:ext>
+            </a:extLst>
+          </p:cNvPr>
+          <p:cNvSpPr txBox="1">
+            <a:spLocks/>
+          </p:cNvSpPr>
+          <p:nvPr/>
+        </p:nvSpPr>
+        <p:spPr bwMode="auto">
+          <a:xfrm>
+            <a:off x="275731" y="6309211"/>
+            <a:ext cx="11885613" cy="349702"/>
+          </a:xfrm>
+          <a:prstGeom prst="rect">
+            <a:avLst/>
+          </a:prstGeom>
+          <a:noFill/>
+          <a:effectLst/>
+        </p:spPr>
+        <p:txBody>
+          <a:bodyPr vert="horz" wrap="square" lIns="36000" tIns="36000" rIns="36000" bIns="36000" rtlCol="0" anchor="ctr" anchorCtr="0">
+            <a:spAutoFit/>
+          </a:bodyPr>
+          <a:lstStyle>
+            <a:defPPr>
+              <a:defRPr lang="en-US"/>
+            </a:defPPr>
+            <a:lvl1pPr marL="0" algn="l" defTabSz="1218987" rtl="0" eaLnBrk="1" latinLnBrk="0" hangingPunct="1">
+              <a:defRPr sz="2400" kern="1200">
+                <a:solidFill>
+                  <a:schemeClr val="tx1"/>
+                </a:solidFill>
+                <a:latin typeface="+mn-lt"/>
+                <a:ea typeface="+mn-ea"/>
+                <a:cs typeface="+mn-cs"/>
+              </a:defRPr>
+            </a:lvl1pPr>
+            <a:lvl2pPr marL="609493" algn="l" defTabSz="1218987" rtl="0" eaLnBrk="1" latinLnBrk="0" hangingPunct="1">
+              <a:defRPr sz="2400" kern="1200">
+                <a:solidFill>
+                  <a:schemeClr val="tx1"/>
+                </a:solidFill>
+                <a:latin typeface="+mn-lt"/>
+                <a:ea typeface="+mn-ea"/>
+                <a:cs typeface="+mn-cs"/>
+              </a:defRPr>
+            </a:lvl2pPr>
+            <a:lvl3pPr marL="1218987" algn="l" defTabSz="1218987" rtl="0" eaLnBrk="1" latinLnBrk="0" hangingPunct="1">
+              <a:defRPr sz="2400" kern="1200">
+                <a:solidFill>
+                  <a:schemeClr val="tx1"/>
+                </a:solidFill>
+                <a:latin typeface="+mn-lt"/>
+                <a:ea typeface="+mn-ea"/>
+                <a:cs typeface="+mn-cs"/>
+              </a:defRPr>
+            </a:lvl3pPr>
+            <a:lvl4pPr marL="1828480" algn="l" defTabSz="1218987" rtl="0" eaLnBrk="1" latinLnBrk="0" hangingPunct="1">
+              <a:defRPr sz="2400" kern="1200">
+                <a:solidFill>
+                  <a:schemeClr val="tx1"/>
+                </a:solidFill>
+                <a:latin typeface="+mn-lt"/>
+                <a:ea typeface="+mn-ea"/>
+                <a:cs typeface="+mn-cs"/>
+              </a:defRPr>
+            </a:lvl4pPr>
+            <a:lvl5pPr marL="2437973" algn="l" defTabSz="1218987" rtl="0" eaLnBrk="1" latinLnBrk="0" hangingPunct="1">
+              <a:defRPr sz="2400" kern="1200">
+                <a:solidFill>
+                  <a:schemeClr val="tx1"/>
+                </a:solidFill>
+                <a:latin typeface="+mn-lt"/>
+                <a:ea typeface="+mn-ea"/>
+                <a:cs typeface="+mn-cs"/>
+              </a:defRPr>
+            </a:lvl5pPr>
+            <a:lvl6pPr marL="3047467" algn="l" defTabSz="1218987" rtl="0" eaLnBrk="1" latinLnBrk="0" hangingPunct="1">
+              <a:defRPr sz="2400" kern="1200">
+                <a:solidFill>
+                  <a:schemeClr val="tx1"/>
+                </a:solidFill>
+                <a:latin typeface="+mn-lt"/>
+                <a:ea typeface="+mn-ea"/>
+                <a:cs typeface="+mn-cs"/>
+              </a:defRPr>
+            </a:lvl6pPr>
+            <a:lvl7pPr marL="3656960" algn="l" defTabSz="1218987" rtl="0" eaLnBrk="1" latinLnBrk="0" hangingPunct="1">
+              <a:defRPr sz="2400" kern="1200">
+                <a:solidFill>
+                  <a:schemeClr val="tx1"/>
+                </a:solidFill>
+                <a:latin typeface="+mn-lt"/>
+                <a:ea typeface="+mn-ea"/>
+                <a:cs typeface="+mn-cs"/>
+              </a:defRPr>
+            </a:lvl7pPr>
+            <a:lvl8pPr marL="4266453" algn="l" defTabSz="1218987" rtl="0" eaLnBrk="1" latinLnBrk="0" hangingPunct="1">
+              <a:defRPr sz="2400" kern="1200">
+                <a:solidFill>
+                  <a:schemeClr val="tx1"/>
+                </a:solidFill>
+                <a:latin typeface="+mn-lt"/>
+                <a:ea typeface="+mn-ea"/>
+                <a:cs typeface="+mn-cs"/>
+              </a:defRPr>
+            </a:lvl8pPr>
+            <a:lvl9pPr marL="4875947" algn="l" defTabSz="1218987" rtl="0" eaLnBrk="1" latinLnBrk="0" hangingPunct="1">
+              <a:defRPr sz="2400" kern="1200">
+                <a:solidFill>
+                  <a:schemeClr val="tx1"/>
+                </a:solidFill>
+                <a:latin typeface="+mn-lt"/>
+                <a:ea typeface="+mn-ea"/>
+                <a:cs typeface="+mn-cs"/>
+              </a:defRPr>
+            </a:lvl9pPr>
+          </a:lstStyle>
+          <a:p>
+            <a:r>
+              <a:rPr lang="en-US" sz="1800" b="1" dirty="0">
+                <a:hlinkClick r:id="rId8"/>
+              </a:rPr>
+              <a:t>https://github.com/BG-IT-Edu/School-Programming/tree/main/Courses/Applied-Programmer/Programming-Fundamentals</a:t>
+            </a:r>
+            <a:endParaRPr lang="en-GB" sz="1800" b="1" dirty="0"/>
+          </a:p>
+        </p:txBody>
+      </p:sp>
     </p:spTree>
     <p:extLst>
       <p:ext uri="{BB962C8B-B14F-4D97-AF65-F5344CB8AC3E}">
@@ -6261,7 +6396,7 @@
           <a:p>
             <a:r>
               <a:rPr lang="bg-BG"/>
-              <a:t>Списъци – сортиране</a:t>
+              <a:t>Списъци</a:t>
             </a:r>
             <a:endParaRPr lang="en-US" dirty="0"/>
           </a:p>
@@ -6269,31 +6404,136 @@
       </p:sp>
       <p:sp>
         <p:nvSpPr>
-          <p:cNvPr id="3" name="Text Placeholder 2"/>
-          <p:cNvSpPr>
-            <a:spLocks noGrp="1"/>
+          <p:cNvPr id="6" name="Text Placeholder 11">
+            <a:extLst>
+              <a:ext uri="{FF2B5EF4-FFF2-40B4-BE49-F238E27FC236}">
+                <a16:creationId xmlns:a16="http://schemas.microsoft.com/office/drawing/2014/main" id="{6CB6C3C6-041A-4F9B-9E82-FB4388EF19DC}"/>
+              </a:ext>
+            </a:extLst>
+          </p:cNvPr>
+          <p:cNvSpPr txBox="1">
+            <a:spLocks/>
           </p:cNvSpPr>
-          <p:nvPr>
-            <p:ph type="body" sz="quarter" idx="10"/>
-          </p:nvPr>
+          <p:nvPr/>
         </p:nvSpPr>
-        <p:spPr>
+        <p:spPr bwMode="auto">
           <a:xfrm>
-            <a:off x="1529384" y="6400802"/>
-            <a:ext cx="10482604" cy="351754"/>
+            <a:off x="303212" y="6400800"/>
+            <a:ext cx="11885613" cy="349702"/>
           </a:xfrm>
+          <a:prstGeom prst="rect">
+            <a:avLst/>
+          </a:prstGeom>
+          <a:noFill/>
+          <a:effectLst/>
         </p:spPr>
         <p:txBody>
-          <a:bodyPr/>
-          <a:lstStyle/>
-          <a:p>
-            <a:r>
-              <a:rPr lang="en-US" dirty="0">
+          <a:bodyPr vert="horz" wrap="square" lIns="36000" tIns="36000" rIns="36000" bIns="36000" rtlCol="0" anchor="ctr" anchorCtr="0">
+            <a:spAutoFit/>
+          </a:bodyPr>
+          <a:lstStyle>
+            <a:defPPr>
+              <a:defRPr lang="en-US"/>
+            </a:defPPr>
+            <a:lvl1pPr marL="0" algn="l" defTabSz="1218987" rtl="0" eaLnBrk="1" latinLnBrk="0" hangingPunct="1">
+              <a:defRPr sz="2400" kern="1200">
+                <a:solidFill>
+                  <a:schemeClr val="tx1"/>
+                </a:solidFill>
+                <a:latin typeface="+mn-lt"/>
+                <a:ea typeface="+mn-ea"/>
+                <a:cs typeface="+mn-cs"/>
+              </a:defRPr>
+            </a:lvl1pPr>
+            <a:lvl2pPr marL="609493" algn="l" defTabSz="1218987" rtl="0" eaLnBrk="1" latinLnBrk="0" hangingPunct="1">
+              <a:defRPr sz="2400" kern="1200">
+                <a:solidFill>
+                  <a:schemeClr val="tx1"/>
+                </a:solidFill>
+                <a:latin typeface="+mn-lt"/>
+                <a:ea typeface="+mn-ea"/>
+                <a:cs typeface="+mn-cs"/>
+              </a:defRPr>
+            </a:lvl2pPr>
+            <a:lvl3pPr marL="1218987" algn="l" defTabSz="1218987" rtl="0" eaLnBrk="1" latinLnBrk="0" hangingPunct="1">
+              <a:defRPr sz="2400" kern="1200">
+                <a:solidFill>
+                  <a:schemeClr val="tx1"/>
+                </a:solidFill>
+                <a:latin typeface="+mn-lt"/>
+                <a:ea typeface="+mn-ea"/>
+                <a:cs typeface="+mn-cs"/>
+              </a:defRPr>
+            </a:lvl3pPr>
+            <a:lvl4pPr marL="1828480" algn="l" defTabSz="1218987" rtl="0" eaLnBrk="1" latinLnBrk="0" hangingPunct="1">
+              <a:defRPr sz="2400" kern="1200">
+                <a:solidFill>
+                  <a:schemeClr val="tx1"/>
+                </a:solidFill>
+                <a:latin typeface="+mn-lt"/>
+                <a:ea typeface="+mn-ea"/>
+                <a:cs typeface="+mn-cs"/>
+              </a:defRPr>
+            </a:lvl4pPr>
+            <a:lvl5pPr marL="2437973" algn="l" defTabSz="1218987" rtl="0" eaLnBrk="1" latinLnBrk="0" hangingPunct="1">
+              <a:defRPr sz="2400" kern="1200">
+                <a:solidFill>
+                  <a:schemeClr val="tx1"/>
+                </a:solidFill>
+                <a:latin typeface="+mn-lt"/>
+                <a:ea typeface="+mn-ea"/>
+                <a:cs typeface="+mn-cs"/>
+              </a:defRPr>
+            </a:lvl5pPr>
+            <a:lvl6pPr marL="3047467" algn="l" defTabSz="1218987" rtl="0" eaLnBrk="1" latinLnBrk="0" hangingPunct="1">
+              <a:defRPr sz="2400" kern="1200">
+                <a:solidFill>
+                  <a:schemeClr val="tx1"/>
+                </a:solidFill>
+                <a:latin typeface="+mn-lt"/>
+                <a:ea typeface="+mn-ea"/>
+                <a:cs typeface="+mn-cs"/>
+              </a:defRPr>
+            </a:lvl6pPr>
+            <a:lvl7pPr marL="3656960" algn="l" defTabSz="1218987" rtl="0" eaLnBrk="1" latinLnBrk="0" hangingPunct="1">
+              <a:defRPr sz="2400" kern="1200">
+                <a:solidFill>
+                  <a:schemeClr val="tx1"/>
+                </a:solidFill>
+                <a:latin typeface="+mn-lt"/>
+                <a:ea typeface="+mn-ea"/>
+                <a:cs typeface="+mn-cs"/>
+              </a:defRPr>
+            </a:lvl7pPr>
+            <a:lvl8pPr marL="4266453" algn="l" defTabSz="1218987" rtl="0" eaLnBrk="1" latinLnBrk="0" hangingPunct="1">
+              <a:defRPr sz="2400" kern="1200">
+                <a:solidFill>
+                  <a:schemeClr val="tx1"/>
+                </a:solidFill>
+                <a:latin typeface="+mn-lt"/>
+                <a:ea typeface="+mn-ea"/>
+                <a:cs typeface="+mn-cs"/>
+              </a:defRPr>
+            </a:lvl8pPr>
+            <a:lvl9pPr marL="4875947" algn="l" defTabSz="1218987" rtl="0" eaLnBrk="1" latinLnBrk="0" hangingPunct="1">
+              <a:defRPr sz="2400" kern="1200">
+                <a:solidFill>
+                  <a:schemeClr val="tx1"/>
+                </a:solidFill>
+                <a:latin typeface="+mn-lt"/>
+                <a:ea typeface="+mn-ea"/>
+                <a:cs typeface="+mn-cs"/>
+              </a:defRPr>
+            </a:lvl9pPr>
+          </a:lstStyle>
+          <a:p>
+            <a:r>
+              <a:rPr lang="en-US" sz="1800" b="1" dirty="0">
                 <a:hlinkClick r:id="rId3"/>
               </a:rPr>
-              <a:t>https://it-kariera.mon.bg/e-learning/</a:t>
-            </a:r>
-            <a:endParaRPr lang="en-US" dirty="0"/>
+              <a:t>https://github.com/BG-IT-Edu/School-Programming/tree/main/Courses/Applied-Programmer/Programming-Fundamentals</a:t>
+            </a:r>
+            <a:endParaRPr lang="en-GB" sz="1800" b="1" dirty="0"/>
           </a:p>
         </p:txBody>
       </p:sp>
@@ -9420,19 +9660,15 @@
           </a:lstStyle>
           <a:p>
             <a:r>
-              <a:rPr lang="bg-BG" dirty="0" smtClean="0"/>
+              <a:rPr lang="bg-BG" dirty="0"/>
               <a:t>Тествайте</a:t>
             </a:r>
             <a:r>
-              <a:rPr lang="en-US" dirty="0" smtClean="0"/>
-              <a:t> </a:t>
-            </a:r>
-            <a:r>
               <a:rPr lang="en-US" dirty="0"/>
-              <a:t>в Judge: </a:t>
-            </a:r>
-            <a:r>
-              <a:rPr lang="en-US" dirty="0" smtClean="0">
+              <a:t> в Judge: </a:t>
+            </a:r>
+            <a:r>
+              <a:rPr lang="en-US" dirty="0">
                 <a:hlinkClick r:id="rId2"/>
               </a:rPr>
               <a:t>https://judge.softuni.bg/Contests/2659</a:t>
@@ -10352,19 +10588,15 @@
           </a:lstStyle>
           <a:p>
             <a:r>
-              <a:rPr lang="bg-BG" dirty="0" smtClean="0"/>
+              <a:rPr lang="bg-BG" dirty="0"/>
               <a:t>Тествайте</a:t>
             </a:r>
             <a:r>
-              <a:rPr lang="en-US" dirty="0" smtClean="0"/>
-              <a:t> </a:t>
-            </a:r>
-            <a:r>
               <a:rPr lang="en-US" dirty="0"/>
-              <a:t>в Judge: </a:t>
-            </a:r>
-            <a:r>
-              <a:rPr lang="en-US" dirty="0" smtClean="0">
+              <a:t> в Judge: </a:t>
+            </a:r>
+            <a:r>
+              <a:rPr lang="en-US" dirty="0">
                 <a:hlinkClick r:id="rId2"/>
               </a:rPr>
               <a:t>https://judge.softuni.bg/Contests/2659</a:t>
@@ -11820,19 +12052,15 @@
           </a:lstStyle>
           <a:p>
             <a:r>
-              <a:rPr lang="bg-BG" dirty="0" smtClean="0"/>
+              <a:rPr lang="bg-BG" dirty="0"/>
               <a:t>Тествайте</a:t>
             </a:r>
             <a:r>
-              <a:rPr lang="en-US" dirty="0" smtClean="0"/>
-              <a:t> </a:t>
-            </a:r>
-            <a:r>
               <a:rPr lang="en-US" dirty="0"/>
-              <a:t>в Judge: </a:t>
-            </a:r>
-            <a:r>
-              <a:rPr lang="en-US" dirty="0" smtClean="0">
+              <a:t> в Judge: </a:t>
+            </a:r>
+            <a:r>
+              <a:rPr lang="en-US" dirty="0">
                 <a:hlinkClick r:id="rId2"/>
               </a:rPr>
               <a:t>https://judge.softuni.bg/Contests/2659</a:t>
@@ -13141,19 +13369,15 @@
           </a:lstStyle>
           <a:p>
             <a:r>
-              <a:rPr lang="bg-BG" dirty="0" smtClean="0"/>
+              <a:rPr lang="bg-BG" dirty="0"/>
               <a:t>Тествайте</a:t>
             </a:r>
             <a:r>
-              <a:rPr lang="en-US" dirty="0" smtClean="0"/>
-              <a:t> </a:t>
-            </a:r>
-            <a:r>
               <a:rPr lang="en-US" dirty="0"/>
-              <a:t>в Judge: </a:t>
-            </a:r>
-            <a:r>
-              <a:rPr lang="en-US" dirty="0" smtClean="0">
+              <a:t> в Judge: </a:t>
+            </a:r>
+            <a:r>
+              <a:rPr lang="en-US" dirty="0">
                 <a:hlinkClick r:id="rId2"/>
               </a:rPr>
               <a:t>https://judge.softuni.bg/Contests/2659</a:t>
@@ -14009,19 +14233,15 @@
           </a:lstStyle>
           <a:p>
             <a:r>
-              <a:rPr lang="bg-BG" dirty="0" smtClean="0"/>
+              <a:rPr lang="bg-BG" dirty="0"/>
               <a:t>Тествайте</a:t>
             </a:r>
             <a:r>
-              <a:rPr lang="en-US" dirty="0" smtClean="0"/>
-              <a:t> </a:t>
-            </a:r>
-            <a:r>
               <a:rPr lang="en-US" dirty="0"/>
-              <a:t>в Judge: </a:t>
-            </a:r>
-            <a:r>
-              <a:rPr lang="en-US" dirty="0" smtClean="0">
+              <a:t> в Judge: </a:t>
+            </a:r>
+            <a:r>
+              <a:rPr lang="en-US" dirty="0">
                 <a:hlinkClick r:id="rId2"/>
               </a:rPr>
               <a:t>https://judge.softuni.bg/Contests/2659</a:t>
@@ -15339,19 +15559,15 @@
           </a:lstStyle>
           <a:p>
             <a:r>
-              <a:rPr lang="bg-BG" dirty="0" smtClean="0"/>
+              <a:rPr lang="bg-BG" dirty="0"/>
               <a:t>Тествайте</a:t>
             </a:r>
             <a:r>
-              <a:rPr lang="en-US" dirty="0" smtClean="0"/>
-              <a:t> </a:t>
-            </a:r>
-            <a:r>
               <a:rPr lang="en-US" dirty="0"/>
-              <a:t>в Judge: </a:t>
-            </a:r>
-            <a:r>
-              <a:rPr lang="en-US" dirty="0" smtClean="0">
+              <a:t> в Judge: </a:t>
+            </a:r>
+            <a:r>
+              <a:rPr lang="en-US" dirty="0">
                 <a:hlinkClick r:id="rId2"/>
               </a:rPr>
               <a:t>https://judge.softuni.bg/Contests/2659</a:t>

--- a/Courses/Applied-Programmer/Programming-Fundamentals/03-Масиви-и-списъци/16.Списъци-сортиране.pptx
+++ b/Courses/Applied-Programmer/Programming-Fundamentals/03-Масиви-и-списъци/16.Списъци-сортиране.pptx
@@ -339,7 +339,7 @@
             <a:fld id="{FE5B4EDC-59C0-49C7-8ADA-5A781B329E02}" type="datetimeFigureOut">
               <a:rPr lang="en-US"/>
               <a:pPr/>
-              <a:t>19-Nov-20</a:t>
+              <a:t>21-Nov-20</a:t>
             </a:fld>
             <a:endParaRPr dirty="0"/>
           </a:p>
@@ -637,7 +637,7 @@
             <a:fld id="{F2D8D46A-B586-417D-BFBD-8C8FE0AAF762}" type="datetimeFigureOut">
               <a:rPr lang="en-US" smtClean="0"/>
               <a:pPr/>
-              <a:t>19-Nov-20</a:t>
+              <a:t>21-Nov-20</a:t>
             </a:fld>
             <a:endParaRPr lang="en-US" dirty="0"/>
           </a:p>
@@ -6026,6 +6026,9 @@
                     <p:cTn id="3" fill="hold">
                       <p:stCondLst>
                         <p:cond delay="indefinite"/>
+                        <p:cond evt="onBegin" delay="0">
+                          <p:tn val="2"/>
+                        </p:cond>
                       </p:stCondLst>
                       <p:childTnLst>
                         <p:par>
@@ -6035,7 +6038,7 @@
                             </p:stCondLst>
                             <p:childTnLst>
                               <p:par>
-                                <p:cTn id="5" presetID="1" presetClass="entr" presetSubtype="0" fill="hold" nodeType="clickEffect">
+                                <p:cTn id="5" presetID="1" presetClass="entr" presetSubtype="0" fill="hold" nodeType="withEffect">
                                   <p:stCondLst>
                                     <p:cond delay="0"/>
                                   </p:stCondLst>
@@ -6065,15 +6068,33 @@
                                   </p:childTnLst>
                                 </p:cTn>
                               </p:par>
+                            </p:childTnLst>
+                          </p:cTn>
+                        </p:par>
+                      </p:childTnLst>
+                    </p:cTn>
+                  </p:par>
+                  <p:par>
+                    <p:cTn id="7" fill="hold">
+                      <p:stCondLst>
+                        <p:cond delay="indefinite"/>
+                      </p:stCondLst>
+                      <p:childTnLst>
+                        <p:par>
+                          <p:cTn id="8" fill="hold">
+                            <p:stCondLst>
+                              <p:cond delay="0"/>
+                            </p:stCondLst>
+                            <p:childTnLst>
                               <p:par>
-                                <p:cTn id="7" presetID="1" presetClass="entr" presetSubtype="0" fill="hold" nodeType="withEffect">
+                                <p:cTn id="9" presetID="1" presetClass="entr" presetSubtype="0" fill="hold" nodeType="clickEffect">
                                   <p:stCondLst>
                                     <p:cond delay="0"/>
                                   </p:stCondLst>
                                   <p:childTnLst>
                                     <p:set>
                                       <p:cBhvr>
-                                        <p:cTn id="8" dur="1" fill="hold">
+                                        <p:cTn id="10" dur="1" fill="hold">
                                           <p:stCondLst>
                                             <p:cond delay="0"/>
                                           </p:stCondLst>
@@ -6103,26 +6124,26 @@
                     </p:cTn>
                   </p:par>
                   <p:par>
-                    <p:cTn id="9" fill="hold">
+                    <p:cTn id="11" fill="hold">
                       <p:stCondLst>
                         <p:cond delay="indefinite"/>
                       </p:stCondLst>
                       <p:childTnLst>
                         <p:par>
-                          <p:cTn id="10" fill="hold">
+                          <p:cTn id="12" fill="hold">
                             <p:stCondLst>
                               <p:cond delay="0"/>
                             </p:stCondLst>
                             <p:childTnLst>
                               <p:par>
-                                <p:cTn id="11" presetID="1" presetClass="entr" presetSubtype="0" fill="hold" nodeType="clickEffect">
+                                <p:cTn id="13" presetID="1" presetClass="entr" presetSubtype="0" fill="hold" nodeType="clickEffect">
                                   <p:stCondLst>
                                     <p:cond delay="0"/>
                                   </p:stCondLst>
                                   <p:childTnLst>
                                     <p:set>
                                       <p:cBhvr>
-                                        <p:cTn id="12" dur="1" fill="hold">
+                                        <p:cTn id="14" dur="1" fill="hold">
                                           <p:stCondLst>
                                             <p:cond delay="0"/>
                                           </p:stCondLst>
@@ -6145,26 +6166,8 @@
                                   </p:childTnLst>
                                 </p:cTn>
                               </p:par>
-                            </p:childTnLst>
-                          </p:cTn>
-                        </p:par>
-                      </p:childTnLst>
-                    </p:cTn>
-                  </p:par>
-                  <p:par>
-                    <p:cTn id="13" fill="hold">
-                      <p:stCondLst>
-                        <p:cond delay="indefinite"/>
-                      </p:stCondLst>
-                      <p:childTnLst>
-                        <p:par>
-                          <p:cTn id="14" fill="hold">
-                            <p:stCondLst>
-                              <p:cond delay="0"/>
-                            </p:stCondLst>
-                            <p:childTnLst>
                               <p:par>
-                                <p:cTn id="15" presetID="1" presetClass="entr" presetSubtype="0" fill="hold" nodeType="clickEffect">
+                                <p:cTn id="15" presetID="1" presetClass="entr" presetSubtype="0" fill="hold" grpId="0" nodeType="withEffect">
                                   <p:stCondLst>
                                     <p:cond delay="0"/>
                                   </p:stCondLst>
@@ -6177,11 +6180,7 @@
                                           </p:stCondLst>
                                         </p:cTn>
                                         <p:tgtEl>
-                                          <p:spTgt spid="5">
-                                            <p:txEl>
-                                              <p:pRg st="5" end="5"/>
-                                            </p:txEl>
-                                          </p:spTgt>
+                                          <p:spTgt spid="12"/>
                                         </p:tgtEl>
                                         <p:attrNameLst>
                                           <p:attrName>style.visibility</p:attrName>
@@ -6228,7 +6227,7 @@
                                         <p:tgtEl>
                                           <p:spTgt spid="5">
                                             <p:txEl>
-                                              <p:pRg st="6" end="6"/>
+                                              <p:pRg st="5" end="5"/>
                                             </p:txEl>
                                           </p:spTgt>
                                         </p:tgtEl>
@@ -6257,7 +6256,56 @@
                                           </p:stCondLst>
                                         </p:cTn>
                                         <p:tgtEl>
-                                          <p:spTgt spid="12"/>
+                                          <p:spTgt spid="13"/>
+                                        </p:tgtEl>
+                                        <p:attrNameLst>
+                                          <p:attrName>style.visibility</p:attrName>
+                                        </p:attrNameLst>
+                                      </p:cBhvr>
+                                      <p:to>
+                                        <p:strVal val="visible"/>
+                                      </p:to>
+                                    </p:set>
+                                  </p:childTnLst>
+                                </p:cTn>
+                              </p:par>
+                            </p:childTnLst>
+                          </p:cTn>
+                        </p:par>
+                      </p:childTnLst>
+                    </p:cTn>
+                  </p:par>
+                  <p:par>
+                    <p:cTn id="23" fill="hold">
+                      <p:stCondLst>
+                        <p:cond delay="indefinite"/>
+                      </p:stCondLst>
+                      <p:childTnLst>
+                        <p:par>
+                          <p:cTn id="24" fill="hold">
+                            <p:stCondLst>
+                              <p:cond delay="0"/>
+                            </p:stCondLst>
+                            <p:childTnLst>
+                              <p:par>
+                                <p:cTn id="25" presetID="1" presetClass="entr" presetSubtype="0" fill="hold" nodeType="clickEffect">
+                                  <p:stCondLst>
+                                    <p:cond delay="0"/>
+                                  </p:stCondLst>
+                                  <p:childTnLst>
+                                    <p:set>
+                                      <p:cBhvr>
+                                        <p:cTn id="26" dur="1" fill="hold">
+                                          <p:stCondLst>
+                                            <p:cond delay="0"/>
+                                          </p:stCondLst>
+                                        </p:cTn>
+                                        <p:tgtEl>
+                                          <p:spTgt spid="5">
+                                            <p:txEl>
+                                              <p:pRg st="6" end="6"/>
+                                            </p:txEl>
+                                          </p:spTgt>
                                         </p:tgtEl>
                                         <p:attrNameLst>
                                           <p:attrName>style.visibility</p:attrName>
@@ -6271,41 +6319,14 @@
                                 </p:cTn>
                               </p:par>
                               <p:par>
-                                <p:cTn id="23" presetID="1" presetClass="entr" presetSubtype="0" fill="hold" grpId="0" nodeType="withEffect">
+                                <p:cTn id="27" presetID="1" presetClass="entr" presetSubtype="0" fill="hold" grpId="0" nodeType="withEffect">
                                   <p:stCondLst>
                                     <p:cond delay="0"/>
                                   </p:stCondLst>
                                   <p:childTnLst>
                                     <p:set>
                                       <p:cBhvr>
-                                        <p:cTn id="24" dur="1" fill="hold">
-                                          <p:stCondLst>
-                                            <p:cond delay="0"/>
-                                          </p:stCondLst>
-                                        </p:cTn>
-                                        <p:tgtEl>
-                                          <p:spTgt spid="13"/>
-                                        </p:tgtEl>
-                                        <p:attrNameLst>
-                                          <p:attrName>style.visibility</p:attrName>
-                                        </p:attrNameLst>
-                                      </p:cBhvr>
-                                      <p:to>
-                                        <p:strVal val="visible"/>
-                                      </p:to>
-                                    </p:set>
-                                  </p:childTnLst>
-                                </p:cTn>
-                              </p:par>
-                              <p:par>
-                                <p:cTn id="25" presetID="1" presetClass="entr" presetSubtype="0" fill="hold" grpId="0" nodeType="withEffect">
-                                  <p:stCondLst>
-                                    <p:cond delay="0"/>
-                                  </p:stCondLst>
-                                  <p:childTnLst>
-                                    <p:set>
-                                      <p:cBhvr>
-                                        <p:cTn id="26" dur="1" fill="hold">
+                                        <p:cTn id="28" dur="1" fill="hold">
                                           <p:stCondLst>
                                             <p:cond delay="0"/>
                                           </p:stCondLst>
@@ -9687,6 +9708,487 @@
   <p:clrMapOvr>
     <a:masterClrMapping/>
   </p:clrMapOvr>
+  <p:timing>
+    <p:tnLst>
+      <p:par>
+        <p:cTn id="1" dur="indefinite" restart="never" nodeType="tmRoot">
+          <p:childTnLst>
+            <p:seq concurrent="1" nextAc="seek">
+              <p:cTn id="2" dur="indefinite" nodeType="mainSeq">
+                <p:childTnLst>
+                  <p:par>
+                    <p:cTn id="3" fill="hold">
+                      <p:stCondLst>
+                        <p:cond delay="indefinite"/>
+                      </p:stCondLst>
+                      <p:childTnLst>
+                        <p:par>
+                          <p:cTn id="4" fill="hold">
+                            <p:stCondLst>
+                              <p:cond delay="0"/>
+                            </p:stCondLst>
+                            <p:childTnLst>
+                              <p:par>
+                                <p:cTn id="5" presetID="1" presetClass="entr" presetSubtype="0" fill="hold" nodeType="clickEffect">
+                                  <p:stCondLst>
+                                    <p:cond delay="0"/>
+                                  </p:stCondLst>
+                                  <p:childTnLst>
+                                    <p:set>
+                                      <p:cBhvr>
+                                        <p:cTn id="6" dur="1" fill="hold">
+                                          <p:stCondLst>
+                                            <p:cond delay="0"/>
+                                          </p:stCondLst>
+                                        </p:cTn>
+                                        <p:tgtEl>
+                                          <p:spTgt spid="3">
+                                            <p:txEl>
+                                              <p:pRg st="1" end="1"/>
+                                            </p:txEl>
+                                          </p:spTgt>
+                                        </p:tgtEl>
+                                        <p:attrNameLst>
+                                          <p:attrName>style.visibility</p:attrName>
+                                        </p:attrNameLst>
+                                      </p:cBhvr>
+                                      <p:to>
+                                        <p:strVal val="visible"/>
+                                      </p:to>
+                                    </p:set>
+                                  </p:childTnLst>
+                                </p:cTn>
+                              </p:par>
+                            </p:childTnLst>
+                          </p:cTn>
+                        </p:par>
+                      </p:childTnLst>
+                    </p:cTn>
+                  </p:par>
+                  <p:par>
+                    <p:cTn id="7" fill="hold">
+                      <p:stCondLst>
+                        <p:cond delay="indefinite"/>
+                      </p:stCondLst>
+                      <p:childTnLst>
+                        <p:par>
+                          <p:cTn id="8" fill="hold">
+                            <p:stCondLst>
+                              <p:cond delay="0"/>
+                            </p:stCondLst>
+                            <p:childTnLst>
+                              <p:par>
+                                <p:cTn id="9" presetID="1" presetClass="entr" presetSubtype="0" fill="hold" grpId="0" nodeType="clickEffect">
+                                  <p:stCondLst>
+                                    <p:cond delay="0"/>
+                                  </p:stCondLst>
+                                  <p:childTnLst>
+                                    <p:set>
+                                      <p:cBhvr>
+                                        <p:cTn id="10" dur="1" fill="hold">
+                                          <p:stCondLst>
+                                            <p:cond delay="0"/>
+                                          </p:stCondLst>
+                                        </p:cTn>
+                                        <p:tgtEl>
+                                          <p:spTgt spid="5"/>
+                                        </p:tgtEl>
+                                        <p:attrNameLst>
+                                          <p:attrName>style.visibility</p:attrName>
+                                        </p:attrNameLst>
+                                      </p:cBhvr>
+                                      <p:to>
+                                        <p:strVal val="visible"/>
+                                      </p:to>
+                                    </p:set>
+                                  </p:childTnLst>
+                                </p:cTn>
+                              </p:par>
+                              <p:par>
+                                <p:cTn id="11" presetID="1" presetClass="entr" presetSubtype="0" fill="hold" grpId="0" nodeType="withEffect">
+                                  <p:stCondLst>
+                                    <p:cond delay="0"/>
+                                  </p:stCondLst>
+                                  <p:childTnLst>
+                                    <p:set>
+                                      <p:cBhvr>
+                                        <p:cTn id="12" dur="1" fill="hold">
+                                          <p:stCondLst>
+                                            <p:cond delay="0"/>
+                                          </p:stCondLst>
+                                        </p:cTn>
+                                        <p:tgtEl>
+                                          <p:spTgt spid="6"/>
+                                        </p:tgtEl>
+                                        <p:attrNameLst>
+                                          <p:attrName>style.visibility</p:attrName>
+                                        </p:attrNameLst>
+                                      </p:cBhvr>
+                                      <p:to>
+                                        <p:strVal val="visible"/>
+                                      </p:to>
+                                    </p:set>
+                                  </p:childTnLst>
+                                </p:cTn>
+                              </p:par>
+                              <p:par>
+                                <p:cTn id="13" presetID="1" presetClass="entr" presetSubtype="0" fill="hold" grpId="0" nodeType="withEffect">
+                                  <p:stCondLst>
+                                    <p:cond delay="0"/>
+                                  </p:stCondLst>
+                                  <p:childTnLst>
+                                    <p:set>
+                                      <p:cBhvr>
+                                        <p:cTn id="14" dur="1" fill="hold">
+                                          <p:stCondLst>
+                                            <p:cond delay="0"/>
+                                          </p:stCondLst>
+                                        </p:cTn>
+                                        <p:tgtEl>
+                                          <p:spTgt spid="7"/>
+                                        </p:tgtEl>
+                                        <p:attrNameLst>
+                                          <p:attrName>style.visibility</p:attrName>
+                                        </p:attrNameLst>
+                                      </p:cBhvr>
+                                      <p:to>
+                                        <p:strVal val="visible"/>
+                                      </p:to>
+                                    </p:set>
+                                  </p:childTnLst>
+                                </p:cTn>
+                              </p:par>
+                              <p:par>
+                                <p:cTn id="15" presetID="1" presetClass="entr" presetSubtype="0" fill="hold" grpId="0" nodeType="withEffect">
+                                  <p:stCondLst>
+                                    <p:cond delay="0"/>
+                                  </p:stCondLst>
+                                  <p:childTnLst>
+                                    <p:set>
+                                      <p:cBhvr>
+                                        <p:cTn id="16" dur="1" fill="hold">
+                                          <p:stCondLst>
+                                            <p:cond delay="0"/>
+                                          </p:stCondLst>
+                                        </p:cTn>
+                                        <p:tgtEl>
+                                          <p:spTgt spid="8"/>
+                                        </p:tgtEl>
+                                        <p:attrNameLst>
+                                          <p:attrName>style.visibility</p:attrName>
+                                        </p:attrNameLst>
+                                      </p:cBhvr>
+                                      <p:to>
+                                        <p:strVal val="visible"/>
+                                      </p:to>
+                                    </p:set>
+                                  </p:childTnLst>
+                                </p:cTn>
+                              </p:par>
+                              <p:par>
+                                <p:cTn id="17" presetID="1" presetClass="entr" presetSubtype="0" fill="hold" grpId="0" nodeType="withEffect">
+                                  <p:stCondLst>
+                                    <p:cond delay="0"/>
+                                  </p:stCondLst>
+                                  <p:childTnLst>
+                                    <p:set>
+                                      <p:cBhvr>
+                                        <p:cTn id="18" dur="1" fill="hold">
+                                          <p:stCondLst>
+                                            <p:cond delay="0"/>
+                                          </p:stCondLst>
+                                        </p:cTn>
+                                        <p:tgtEl>
+                                          <p:spTgt spid="9"/>
+                                        </p:tgtEl>
+                                        <p:attrNameLst>
+                                          <p:attrName>style.visibility</p:attrName>
+                                        </p:attrNameLst>
+                                      </p:cBhvr>
+                                      <p:to>
+                                        <p:strVal val="visible"/>
+                                      </p:to>
+                                    </p:set>
+                                  </p:childTnLst>
+                                </p:cTn>
+                              </p:par>
+                              <p:par>
+                                <p:cTn id="19" presetID="1" presetClass="entr" presetSubtype="0" fill="hold" grpId="0" nodeType="withEffect">
+                                  <p:stCondLst>
+                                    <p:cond delay="0"/>
+                                  </p:stCondLst>
+                                  <p:childTnLst>
+                                    <p:set>
+                                      <p:cBhvr>
+                                        <p:cTn id="20" dur="1" fill="hold">
+                                          <p:stCondLst>
+                                            <p:cond delay="0"/>
+                                          </p:stCondLst>
+                                        </p:cTn>
+                                        <p:tgtEl>
+                                          <p:spTgt spid="10"/>
+                                        </p:tgtEl>
+                                        <p:attrNameLst>
+                                          <p:attrName>style.visibility</p:attrName>
+                                        </p:attrNameLst>
+                                      </p:cBhvr>
+                                      <p:to>
+                                        <p:strVal val="visible"/>
+                                      </p:to>
+                                    </p:set>
+                                  </p:childTnLst>
+                                </p:cTn>
+                              </p:par>
+                              <p:par>
+                                <p:cTn id="21" presetID="1" presetClass="entr" presetSubtype="0" fill="hold" grpId="0" nodeType="withEffect">
+                                  <p:stCondLst>
+                                    <p:cond delay="0"/>
+                                  </p:stCondLst>
+                                  <p:childTnLst>
+                                    <p:set>
+                                      <p:cBhvr>
+                                        <p:cTn id="22" dur="1" fill="hold">
+                                          <p:stCondLst>
+                                            <p:cond delay="0"/>
+                                          </p:stCondLst>
+                                        </p:cTn>
+                                        <p:tgtEl>
+                                          <p:spTgt spid="13"/>
+                                        </p:tgtEl>
+                                        <p:attrNameLst>
+                                          <p:attrName>style.visibility</p:attrName>
+                                        </p:attrNameLst>
+                                      </p:cBhvr>
+                                      <p:to>
+                                        <p:strVal val="visible"/>
+                                      </p:to>
+                                    </p:set>
+                                  </p:childTnLst>
+                                </p:cTn>
+                              </p:par>
+                              <p:par>
+                                <p:cTn id="23" presetID="1" presetClass="entr" presetSubtype="0" fill="hold" grpId="0" nodeType="withEffect">
+                                  <p:stCondLst>
+                                    <p:cond delay="0"/>
+                                  </p:stCondLst>
+                                  <p:childTnLst>
+                                    <p:set>
+                                      <p:cBhvr>
+                                        <p:cTn id="24" dur="1" fill="hold">
+                                          <p:stCondLst>
+                                            <p:cond delay="0"/>
+                                          </p:stCondLst>
+                                        </p:cTn>
+                                        <p:tgtEl>
+                                          <p:spTgt spid="14"/>
+                                        </p:tgtEl>
+                                        <p:attrNameLst>
+                                          <p:attrName>style.visibility</p:attrName>
+                                        </p:attrNameLst>
+                                      </p:cBhvr>
+                                      <p:to>
+                                        <p:strVal val="visible"/>
+                                      </p:to>
+                                    </p:set>
+                                  </p:childTnLst>
+                                </p:cTn>
+                              </p:par>
+                              <p:par>
+                                <p:cTn id="25" presetID="1" presetClass="entr" presetSubtype="0" fill="hold" grpId="0" nodeType="withEffect">
+                                  <p:stCondLst>
+                                    <p:cond delay="0"/>
+                                  </p:stCondLst>
+                                  <p:childTnLst>
+                                    <p:set>
+                                      <p:cBhvr>
+                                        <p:cTn id="26" dur="1" fill="hold">
+                                          <p:stCondLst>
+                                            <p:cond delay="0"/>
+                                          </p:stCondLst>
+                                        </p:cTn>
+                                        <p:tgtEl>
+                                          <p:spTgt spid="15"/>
+                                        </p:tgtEl>
+                                        <p:attrNameLst>
+                                          <p:attrName>style.visibility</p:attrName>
+                                        </p:attrNameLst>
+                                      </p:cBhvr>
+                                      <p:to>
+                                        <p:strVal val="visible"/>
+                                      </p:to>
+                                    </p:set>
+                                  </p:childTnLst>
+                                </p:cTn>
+                              </p:par>
+                              <p:par>
+                                <p:cTn id="27" presetID="1" presetClass="entr" presetSubtype="0" fill="hold" grpId="0" nodeType="withEffect">
+                                  <p:stCondLst>
+                                    <p:cond delay="0"/>
+                                  </p:stCondLst>
+                                  <p:childTnLst>
+                                    <p:set>
+                                      <p:cBhvr>
+                                        <p:cTn id="28" dur="1" fill="hold">
+                                          <p:stCondLst>
+                                            <p:cond delay="0"/>
+                                          </p:stCondLst>
+                                        </p:cTn>
+                                        <p:tgtEl>
+                                          <p:spTgt spid="16"/>
+                                        </p:tgtEl>
+                                        <p:attrNameLst>
+                                          <p:attrName>style.visibility</p:attrName>
+                                        </p:attrNameLst>
+                                      </p:cBhvr>
+                                      <p:to>
+                                        <p:strVal val="visible"/>
+                                      </p:to>
+                                    </p:set>
+                                  </p:childTnLst>
+                                </p:cTn>
+                              </p:par>
+                              <p:par>
+                                <p:cTn id="29" presetID="1" presetClass="entr" presetSubtype="0" fill="hold" grpId="0" nodeType="withEffect">
+                                  <p:stCondLst>
+                                    <p:cond delay="0"/>
+                                  </p:stCondLst>
+                                  <p:childTnLst>
+                                    <p:set>
+                                      <p:cBhvr>
+                                        <p:cTn id="30" dur="1" fill="hold">
+                                          <p:stCondLst>
+                                            <p:cond delay="0"/>
+                                          </p:stCondLst>
+                                        </p:cTn>
+                                        <p:tgtEl>
+                                          <p:spTgt spid="17"/>
+                                        </p:tgtEl>
+                                        <p:attrNameLst>
+                                          <p:attrName>style.visibility</p:attrName>
+                                        </p:attrNameLst>
+                                      </p:cBhvr>
+                                      <p:to>
+                                        <p:strVal val="visible"/>
+                                      </p:to>
+                                    </p:set>
+                                  </p:childTnLst>
+                                </p:cTn>
+                              </p:par>
+                              <p:par>
+                                <p:cTn id="31" presetID="1" presetClass="entr" presetSubtype="0" fill="hold" grpId="0" nodeType="withEffect">
+                                  <p:stCondLst>
+                                    <p:cond delay="0"/>
+                                  </p:stCondLst>
+                                  <p:childTnLst>
+                                    <p:set>
+                                      <p:cBhvr>
+                                        <p:cTn id="32" dur="1" fill="hold">
+                                          <p:stCondLst>
+                                            <p:cond delay="0"/>
+                                          </p:stCondLst>
+                                        </p:cTn>
+                                        <p:tgtEl>
+                                          <p:spTgt spid="18"/>
+                                        </p:tgtEl>
+                                        <p:attrNameLst>
+                                          <p:attrName>style.visibility</p:attrName>
+                                        </p:attrNameLst>
+                                      </p:cBhvr>
+                                      <p:to>
+                                        <p:strVal val="visible"/>
+                                      </p:to>
+                                    </p:set>
+                                  </p:childTnLst>
+                                </p:cTn>
+                              </p:par>
+                            </p:childTnLst>
+                          </p:cTn>
+                        </p:par>
+                      </p:childTnLst>
+                    </p:cTn>
+                  </p:par>
+                  <p:par>
+                    <p:cTn id="33" fill="hold">
+                      <p:stCondLst>
+                        <p:cond delay="indefinite"/>
+                      </p:stCondLst>
+                      <p:childTnLst>
+                        <p:par>
+                          <p:cTn id="34" fill="hold">
+                            <p:stCondLst>
+                              <p:cond delay="0"/>
+                            </p:stCondLst>
+                            <p:childTnLst>
+                              <p:par>
+                                <p:cTn id="35" presetID="1" presetClass="entr" presetSubtype="0" fill="hold" grpId="0" nodeType="clickEffect">
+                                  <p:stCondLst>
+                                    <p:cond delay="0"/>
+                                  </p:stCondLst>
+                                  <p:childTnLst>
+                                    <p:set>
+                                      <p:cBhvr>
+                                        <p:cTn id="36" dur="1" fill="hold">
+                                          <p:stCondLst>
+                                            <p:cond delay="0"/>
+                                          </p:stCondLst>
+                                        </p:cTn>
+                                        <p:tgtEl>
+                                          <p:spTgt spid="20"/>
+                                        </p:tgtEl>
+                                        <p:attrNameLst>
+                                          <p:attrName>style.visibility</p:attrName>
+                                        </p:attrNameLst>
+                                      </p:cBhvr>
+                                      <p:to>
+                                        <p:strVal val="visible"/>
+                                      </p:to>
+                                    </p:set>
+                                  </p:childTnLst>
+                                </p:cTn>
+                              </p:par>
+                            </p:childTnLst>
+                          </p:cTn>
+                        </p:par>
+                      </p:childTnLst>
+                    </p:cTn>
+                  </p:par>
+                </p:childTnLst>
+              </p:cTn>
+              <p:prevCondLst>
+                <p:cond evt="onPrev" delay="0">
+                  <p:tgtEl>
+                    <p:sldTgt/>
+                  </p:tgtEl>
+                </p:cond>
+              </p:prevCondLst>
+              <p:nextCondLst>
+                <p:cond evt="onNext" delay="0">
+                  <p:tgtEl>
+                    <p:sldTgt/>
+                  </p:tgtEl>
+                </p:cond>
+              </p:nextCondLst>
+            </p:seq>
+          </p:childTnLst>
+        </p:cTn>
+      </p:par>
+    </p:tnLst>
+    <p:bldLst>
+      <p:bldP spid="5" grpId="0" animBg="1"/>
+      <p:bldP spid="6" grpId="0" animBg="1"/>
+      <p:bldP spid="7" grpId="0" animBg="1"/>
+      <p:bldP spid="8" grpId="0" animBg="1"/>
+      <p:bldP spid="9" grpId="0" animBg="1"/>
+      <p:bldP spid="10" grpId="0" animBg="1"/>
+      <p:bldP spid="13" grpId="0" animBg="1"/>
+      <p:bldP spid="14" grpId="0" animBg="1"/>
+      <p:bldP spid="15" grpId="0" animBg="1"/>
+      <p:bldP spid="16" grpId="0" animBg="1"/>
+      <p:bldP spid="17" grpId="0" animBg="1"/>
+      <p:bldP spid="18" grpId="0" animBg="1"/>
+      <p:bldP spid="20" grpId="0"/>
+    </p:bldLst>
+  </p:timing>
 </p:sld>
 </file>
 
@@ -10954,6 +11456,51 @@
                       </p:childTnLst>
                     </p:cTn>
                   </p:par>
+                  <p:par>
+                    <p:cTn id="31" fill="hold">
+                      <p:stCondLst>
+                        <p:cond delay="indefinite"/>
+                      </p:stCondLst>
+                      <p:childTnLst>
+                        <p:par>
+                          <p:cTn id="32" fill="hold">
+                            <p:stCondLst>
+                              <p:cond delay="0"/>
+                            </p:stCondLst>
+                            <p:childTnLst>
+                              <p:par>
+                                <p:cTn id="33" presetID="1" presetClass="entr" presetSubtype="0" fill="hold" grpId="0" nodeType="clickEffect">
+                                  <p:stCondLst>
+                                    <p:cond delay="0"/>
+                                  </p:stCondLst>
+                                  <p:childTnLst>
+                                    <p:set>
+                                      <p:cBhvr>
+                                        <p:cTn id="34" dur="1" fill="hold">
+                                          <p:stCondLst>
+                                            <p:cond delay="0"/>
+                                          </p:stCondLst>
+                                        </p:cTn>
+                                        <p:tgtEl>
+                                          <p:spTgt spid="10"/>
+                                        </p:tgtEl>
+                                        <p:attrNameLst>
+                                          <p:attrName>style.visibility</p:attrName>
+                                        </p:attrNameLst>
+                                      </p:cBhvr>
+                                      <p:to>
+                                        <p:strVal val="visible"/>
+                                      </p:to>
+                                    </p:set>
+                                  </p:childTnLst>
+                                </p:cTn>
+                              </p:par>
+                            </p:childTnLst>
+                          </p:cTn>
+                        </p:par>
+                      </p:childTnLst>
+                    </p:cTn>
+                  </p:par>
                 </p:childTnLst>
               </p:cTn>
               <p:prevCondLst>
@@ -10979,6 +11526,7 @@
       <p:bldP spid="6" grpId="0" animBg="1"/>
       <p:bldP spid="7" grpId="0" animBg="1"/>
       <p:bldP spid="8" grpId="0" animBg="1"/>
+      <p:bldP spid="10" grpId="0"/>
     </p:bldLst>
   </p:timing>
 </p:sld>
@@ -12113,7 +12661,7 @@
                                           </p:stCondLst>
                                         </p:cTn>
                                         <p:tgtEl>
-                                          <p:spTgt spid="11">
+                                          <p:spTgt spid="3">
                                             <p:txEl>
                                               <p:pRg st="1" end="1"/>
                                             </p:txEl>
@@ -12131,7 +12679,7 @@
                                 </p:cTn>
                               </p:par>
                               <p:par>
-                                <p:cTn id="7" presetID="1" presetClass="entr" presetSubtype="0" fill="hold" nodeType="withEffect">
+                                <p:cTn id="7" presetID="1" presetClass="entr" presetSubtype="0" fill="hold" grpId="0" nodeType="withEffect">
                                   <p:stCondLst>
                                     <p:cond delay="0"/>
                                   </p:stCondLst>
@@ -12144,11 +12692,7 @@
                                           </p:stCondLst>
                                         </p:cTn>
                                         <p:tgtEl>
-                                          <p:spTgt spid="11">
-                                            <p:txEl>
-                                              <p:pRg st="2" end="2"/>
-                                            </p:txEl>
-                                          </p:spTgt>
+                                          <p:spTgt spid="8"/>
                                         </p:tgtEl>
                                         <p:attrNameLst>
                                           <p:attrName>style.visibility</p:attrName>
@@ -12161,26 +12705,35 @@
                                   </p:childTnLst>
                                 </p:cTn>
                               </p:par>
-                            </p:childTnLst>
-                          </p:cTn>
-                        </p:par>
-                      </p:childTnLst>
-                    </p:cTn>
-                  </p:par>
-                  <p:par>
-                    <p:cTn id="9" fill="hold">
-                      <p:stCondLst>
-                        <p:cond delay="indefinite"/>
-                      </p:stCondLst>
-                      <p:childTnLst>
-                        <p:par>
-                          <p:cTn id="10" fill="hold">
-                            <p:stCondLst>
-                              <p:cond delay="0"/>
-                            </p:stCondLst>
-                            <p:childTnLst>
                               <p:par>
-                                <p:cTn id="11" presetID="1" presetClass="entr" presetSubtype="0" fill="hold" nodeType="clickEffect">
+                                <p:cTn id="9" presetID="1" presetClass="entr" presetSubtype="0" fill="hold" grpId="0" nodeType="withEffect">
+                                  <p:stCondLst>
+                                    <p:cond delay="0"/>
+                                  </p:stCondLst>
+                                  <p:childTnLst>
+                                    <p:set>
+                                      <p:cBhvr>
+                                        <p:cTn id="10" dur="1" fill="hold">
+                                          <p:stCondLst>
+                                            <p:cond delay="0"/>
+                                          </p:stCondLst>
+                                        </p:cTn>
+                                        <p:tgtEl>
+                                          <p:spTgt spid="9"/>
+                                        </p:tgtEl>
+                                        <p:attrNameLst>
+                                          <p:attrName>style.visibility</p:attrName>
+                                        </p:attrNameLst>
+                                      </p:cBhvr>
+                                      <p:to>
+                                        <p:strVal val="visible"/>
+                                      </p:to>
+                                    </p:set>
+                                  </p:childTnLst>
+                                </p:cTn>
+                              </p:par>
+                              <p:par>
+                                <p:cTn id="11" presetID="1" presetClass="entr" presetSubtype="0" fill="hold" grpId="0" nodeType="withEffect">
                                   <p:stCondLst>
                                     <p:cond delay="0"/>
                                   </p:stCondLst>
@@ -12193,11 +12746,7 @@
                                           </p:stCondLst>
                                         </p:cTn>
                                         <p:tgtEl>
-                                          <p:spTgt spid="11">
-                                            <p:txEl>
-                                              <p:pRg st="3" end="3"/>
-                                            </p:txEl>
-                                          </p:spTgt>
+                                          <p:spTgt spid="10"/>
                                         </p:tgtEl>
                                         <p:attrNameLst>
                                           <p:attrName>style.visibility</p:attrName>
@@ -12242,7 +12791,97 @@
                                           </p:stCondLst>
                                         </p:cTn>
                                         <p:tgtEl>
+                                          <p:spTgt spid="11"/>
+                                        </p:tgtEl>
+                                        <p:attrNameLst>
+                                          <p:attrName>style.visibility</p:attrName>
+                                        </p:attrNameLst>
+                                      </p:cBhvr>
+                                      <p:to>
+                                        <p:strVal val="visible"/>
+                                      </p:to>
+                                    </p:set>
+                                  </p:childTnLst>
+                                </p:cTn>
+                              </p:par>
+                            </p:childTnLst>
+                          </p:cTn>
+                        </p:par>
+                      </p:childTnLst>
+                    </p:cTn>
+                  </p:par>
+                  <p:par>
+                    <p:cTn id="17" fill="hold">
+                      <p:stCondLst>
+                        <p:cond delay="indefinite"/>
+                      </p:stCondLst>
+                      <p:childTnLst>
+                        <p:par>
+                          <p:cTn id="18" fill="hold">
+                            <p:stCondLst>
+                              <p:cond delay="0"/>
+                            </p:stCondLst>
+                            <p:childTnLst>
+                              <p:par>
+                                <p:cTn id="19" presetID="1" presetClass="entr" presetSubtype="0" fill="hold" grpId="0" nodeType="clickEffect">
+                                  <p:stCondLst>
+                                    <p:cond delay="0"/>
+                                  </p:stCondLst>
+                                  <p:childTnLst>
+                                    <p:set>
+                                      <p:cBhvr>
+                                        <p:cTn id="20" dur="1" fill="hold">
+                                          <p:stCondLst>
+                                            <p:cond delay="0"/>
+                                          </p:stCondLst>
+                                        </p:cTn>
+                                        <p:tgtEl>
                                           <p:spTgt spid="13"/>
+                                        </p:tgtEl>
+                                        <p:attrNameLst>
+                                          <p:attrName>style.visibility</p:attrName>
+                                        </p:attrNameLst>
+                                      </p:cBhvr>
+                                      <p:to>
+                                        <p:strVal val="visible"/>
+                                      </p:to>
+                                    </p:set>
+                                  </p:childTnLst>
+                                </p:cTn>
+                              </p:par>
+                            </p:childTnLst>
+                          </p:cTn>
+                        </p:par>
+                      </p:childTnLst>
+                    </p:cTn>
+                  </p:par>
+                  <p:par>
+                    <p:cTn id="21" fill="hold">
+                      <p:stCondLst>
+                        <p:cond delay="indefinite"/>
+                      </p:stCondLst>
+                      <p:childTnLst>
+                        <p:par>
+                          <p:cTn id="22" fill="hold">
+                            <p:stCondLst>
+                              <p:cond delay="0"/>
+                            </p:stCondLst>
+                            <p:childTnLst>
+                              <p:par>
+                                <p:cTn id="23" presetID="1" presetClass="entr" presetSubtype="0" fill="hold" grpId="0" nodeType="clickEffect">
+                                  <p:stCondLst>
+                                    <p:cond delay="0"/>
+                                  </p:stCondLst>
+                                  <p:childTnLst>
+                                    <p:set>
+                                      <p:cBhvr>
+                                        <p:cTn id="24" dur="1" fill="hold">
+                                          <p:stCondLst>
+                                            <p:cond delay="0"/>
+                                          </p:stCondLst>
+                                        </p:cTn>
+                                        <p:tgtEl>
+                                          <p:spTgt spid="14"/>
                                         </p:tgtEl>
                                         <p:attrNameLst>
                                           <p:attrName>style.visibility</p:attrName>
@@ -12283,7 +12922,12 @@
       </p:par>
     </p:tnLst>
     <p:bldLst>
+      <p:bldP spid="8" grpId="0" animBg="1"/>
+      <p:bldP spid="9" grpId="0" animBg="1"/>
+      <p:bldP spid="10" grpId="0" animBg="1"/>
+      <p:bldP spid="11" grpId="0" animBg="1"/>
       <p:bldP spid="13" grpId="0" animBg="1"/>
+      <p:bldP spid="14" grpId="0"/>
     </p:bldLst>
   </p:timing>
 </p:sld>
@@ -13396,6 +14040,354 @@
   <p:clrMapOvr>
     <a:masterClrMapping/>
   </p:clrMapOvr>
+  <p:timing>
+    <p:tnLst>
+      <p:par>
+        <p:cTn id="1" dur="indefinite" restart="never" nodeType="tmRoot">
+          <p:childTnLst>
+            <p:seq concurrent="1" nextAc="seek">
+              <p:cTn id="2" dur="indefinite" nodeType="mainSeq">
+                <p:childTnLst>
+                  <p:par>
+                    <p:cTn id="3" fill="hold">
+                      <p:stCondLst>
+                        <p:cond delay="indefinite"/>
+                      </p:stCondLst>
+                      <p:childTnLst>
+                        <p:par>
+                          <p:cTn id="4" fill="hold">
+                            <p:stCondLst>
+                              <p:cond delay="0"/>
+                            </p:stCondLst>
+                            <p:childTnLst>
+                              <p:par>
+                                <p:cTn id="5" presetID="1" presetClass="entr" presetSubtype="0" fill="hold" grpId="0" nodeType="clickEffect">
+                                  <p:stCondLst>
+                                    <p:cond delay="0"/>
+                                  </p:stCondLst>
+                                  <p:childTnLst>
+                                    <p:set>
+                                      <p:cBhvr>
+                                        <p:cTn id="6" dur="1" fill="hold">
+                                          <p:stCondLst>
+                                            <p:cond delay="0"/>
+                                          </p:stCondLst>
+                                        </p:cTn>
+                                        <p:tgtEl>
+                                          <p:spTgt spid="5"/>
+                                        </p:tgtEl>
+                                        <p:attrNameLst>
+                                          <p:attrName>style.visibility</p:attrName>
+                                        </p:attrNameLst>
+                                      </p:cBhvr>
+                                      <p:to>
+                                        <p:strVal val="visible"/>
+                                      </p:to>
+                                    </p:set>
+                                  </p:childTnLst>
+                                </p:cTn>
+                              </p:par>
+                              <p:par>
+                                <p:cTn id="7" presetID="1" presetClass="entr" presetSubtype="0" fill="hold" grpId="0" nodeType="withEffect">
+                                  <p:stCondLst>
+                                    <p:cond delay="0"/>
+                                  </p:stCondLst>
+                                  <p:childTnLst>
+                                    <p:set>
+                                      <p:cBhvr>
+                                        <p:cTn id="8" dur="1" fill="hold">
+                                          <p:stCondLst>
+                                            <p:cond delay="0"/>
+                                          </p:stCondLst>
+                                        </p:cTn>
+                                        <p:tgtEl>
+                                          <p:spTgt spid="6"/>
+                                        </p:tgtEl>
+                                        <p:attrNameLst>
+                                          <p:attrName>style.visibility</p:attrName>
+                                        </p:attrNameLst>
+                                      </p:cBhvr>
+                                      <p:to>
+                                        <p:strVal val="visible"/>
+                                      </p:to>
+                                    </p:set>
+                                  </p:childTnLst>
+                                </p:cTn>
+                              </p:par>
+                              <p:par>
+                                <p:cTn id="9" presetID="1" presetClass="entr" presetSubtype="0" fill="hold" grpId="0" nodeType="withEffect">
+                                  <p:stCondLst>
+                                    <p:cond delay="0"/>
+                                  </p:stCondLst>
+                                  <p:childTnLst>
+                                    <p:set>
+                                      <p:cBhvr>
+                                        <p:cTn id="10" dur="1" fill="hold">
+                                          <p:stCondLst>
+                                            <p:cond delay="0"/>
+                                          </p:stCondLst>
+                                        </p:cTn>
+                                        <p:tgtEl>
+                                          <p:spTgt spid="7"/>
+                                        </p:tgtEl>
+                                        <p:attrNameLst>
+                                          <p:attrName>style.visibility</p:attrName>
+                                        </p:attrNameLst>
+                                      </p:cBhvr>
+                                      <p:to>
+                                        <p:strVal val="visible"/>
+                                      </p:to>
+                                    </p:set>
+                                  </p:childTnLst>
+                                </p:cTn>
+                              </p:par>
+                              <p:par>
+                                <p:cTn id="11" presetID="1" presetClass="entr" presetSubtype="0" fill="hold" grpId="0" nodeType="withEffect">
+                                  <p:stCondLst>
+                                    <p:cond delay="0"/>
+                                  </p:stCondLst>
+                                  <p:childTnLst>
+                                    <p:set>
+                                      <p:cBhvr>
+                                        <p:cTn id="12" dur="1" fill="hold">
+                                          <p:stCondLst>
+                                            <p:cond delay="0"/>
+                                          </p:stCondLst>
+                                        </p:cTn>
+                                        <p:tgtEl>
+                                          <p:spTgt spid="8"/>
+                                        </p:tgtEl>
+                                        <p:attrNameLst>
+                                          <p:attrName>style.visibility</p:attrName>
+                                        </p:attrNameLst>
+                                      </p:cBhvr>
+                                      <p:to>
+                                        <p:strVal val="visible"/>
+                                      </p:to>
+                                    </p:set>
+                                  </p:childTnLst>
+                                </p:cTn>
+                              </p:par>
+                              <p:par>
+                                <p:cTn id="13" presetID="1" presetClass="entr" presetSubtype="0" fill="hold" grpId="0" nodeType="withEffect">
+                                  <p:stCondLst>
+                                    <p:cond delay="0"/>
+                                  </p:stCondLst>
+                                  <p:childTnLst>
+                                    <p:set>
+                                      <p:cBhvr>
+                                        <p:cTn id="14" dur="1" fill="hold">
+                                          <p:stCondLst>
+                                            <p:cond delay="0"/>
+                                          </p:stCondLst>
+                                        </p:cTn>
+                                        <p:tgtEl>
+                                          <p:spTgt spid="9"/>
+                                        </p:tgtEl>
+                                        <p:attrNameLst>
+                                          <p:attrName>style.visibility</p:attrName>
+                                        </p:attrNameLst>
+                                      </p:cBhvr>
+                                      <p:to>
+                                        <p:strVal val="visible"/>
+                                      </p:to>
+                                    </p:set>
+                                  </p:childTnLst>
+                                </p:cTn>
+                              </p:par>
+                              <p:par>
+                                <p:cTn id="15" presetID="1" presetClass="entr" presetSubtype="0" fill="hold" grpId="0" nodeType="withEffect">
+                                  <p:stCondLst>
+                                    <p:cond delay="0"/>
+                                  </p:stCondLst>
+                                  <p:childTnLst>
+                                    <p:set>
+                                      <p:cBhvr>
+                                        <p:cTn id="16" dur="1" fill="hold">
+                                          <p:stCondLst>
+                                            <p:cond delay="0"/>
+                                          </p:stCondLst>
+                                        </p:cTn>
+                                        <p:tgtEl>
+                                          <p:spTgt spid="10"/>
+                                        </p:tgtEl>
+                                        <p:attrNameLst>
+                                          <p:attrName>style.visibility</p:attrName>
+                                        </p:attrNameLst>
+                                      </p:cBhvr>
+                                      <p:to>
+                                        <p:strVal val="visible"/>
+                                      </p:to>
+                                    </p:set>
+                                  </p:childTnLst>
+                                </p:cTn>
+                              </p:par>
+                              <p:par>
+                                <p:cTn id="17" presetID="1" presetClass="entr" presetSubtype="0" fill="hold" grpId="0" nodeType="withEffect">
+                                  <p:stCondLst>
+                                    <p:cond delay="0"/>
+                                  </p:stCondLst>
+                                  <p:childTnLst>
+                                    <p:set>
+                                      <p:cBhvr>
+                                        <p:cTn id="18" dur="1" fill="hold">
+                                          <p:stCondLst>
+                                            <p:cond delay="0"/>
+                                          </p:stCondLst>
+                                        </p:cTn>
+                                        <p:tgtEl>
+                                          <p:spTgt spid="11"/>
+                                        </p:tgtEl>
+                                        <p:attrNameLst>
+                                          <p:attrName>style.visibility</p:attrName>
+                                        </p:attrNameLst>
+                                      </p:cBhvr>
+                                      <p:to>
+                                        <p:strVal val="visible"/>
+                                      </p:to>
+                                    </p:set>
+                                  </p:childTnLst>
+                                </p:cTn>
+                              </p:par>
+                              <p:par>
+                                <p:cTn id="19" presetID="1" presetClass="entr" presetSubtype="0" fill="hold" grpId="0" nodeType="withEffect">
+                                  <p:stCondLst>
+                                    <p:cond delay="0"/>
+                                  </p:stCondLst>
+                                  <p:childTnLst>
+                                    <p:set>
+                                      <p:cBhvr>
+                                        <p:cTn id="20" dur="1" fill="hold">
+                                          <p:stCondLst>
+                                            <p:cond delay="0"/>
+                                          </p:stCondLst>
+                                        </p:cTn>
+                                        <p:tgtEl>
+                                          <p:spTgt spid="12"/>
+                                        </p:tgtEl>
+                                        <p:attrNameLst>
+                                          <p:attrName>style.visibility</p:attrName>
+                                        </p:attrNameLst>
+                                      </p:cBhvr>
+                                      <p:to>
+                                        <p:strVal val="visible"/>
+                                      </p:to>
+                                    </p:set>
+                                  </p:childTnLst>
+                                </p:cTn>
+                              </p:par>
+                              <p:par>
+                                <p:cTn id="21" presetID="1" presetClass="entr" presetSubtype="0" fill="hold" grpId="0" nodeType="withEffect">
+                                  <p:stCondLst>
+                                    <p:cond delay="0"/>
+                                  </p:stCondLst>
+                                  <p:childTnLst>
+                                    <p:set>
+                                      <p:cBhvr>
+                                        <p:cTn id="22" dur="1" fill="hold">
+                                          <p:stCondLst>
+                                            <p:cond delay="0"/>
+                                          </p:stCondLst>
+                                        </p:cTn>
+                                        <p:tgtEl>
+                                          <p:spTgt spid="13"/>
+                                        </p:tgtEl>
+                                        <p:attrNameLst>
+                                          <p:attrName>style.visibility</p:attrName>
+                                        </p:attrNameLst>
+                                      </p:cBhvr>
+                                      <p:to>
+                                        <p:strVal val="visible"/>
+                                      </p:to>
+                                    </p:set>
+                                  </p:childTnLst>
+                                </p:cTn>
+                              </p:par>
+                            </p:childTnLst>
+                          </p:cTn>
+                        </p:par>
+                      </p:childTnLst>
+                    </p:cTn>
+                  </p:par>
+                  <p:par>
+                    <p:cTn id="23" fill="hold">
+                      <p:stCondLst>
+                        <p:cond delay="indefinite"/>
+                      </p:stCondLst>
+                      <p:childTnLst>
+                        <p:par>
+                          <p:cTn id="24" fill="hold">
+                            <p:stCondLst>
+                              <p:cond delay="0"/>
+                            </p:stCondLst>
+                            <p:childTnLst>
+                              <p:par>
+                                <p:cTn id="25" presetID="1" presetClass="entr" presetSubtype="0" fill="hold" grpId="0" nodeType="clickEffect">
+                                  <p:stCondLst>
+                                    <p:cond delay="0"/>
+                                  </p:stCondLst>
+                                  <p:childTnLst>
+                                    <p:set>
+                                      <p:cBhvr>
+                                        <p:cTn id="26" dur="1" fill="hold">
+                                          <p:stCondLst>
+                                            <p:cond delay="0"/>
+                                          </p:stCondLst>
+                                        </p:cTn>
+                                        <p:tgtEl>
+                                          <p:spTgt spid="15"/>
+                                        </p:tgtEl>
+                                        <p:attrNameLst>
+                                          <p:attrName>style.visibility</p:attrName>
+                                        </p:attrNameLst>
+                                      </p:cBhvr>
+                                      <p:to>
+                                        <p:strVal val="visible"/>
+                                      </p:to>
+                                    </p:set>
+                                  </p:childTnLst>
+                                </p:cTn>
+                              </p:par>
+                            </p:childTnLst>
+                          </p:cTn>
+                        </p:par>
+                      </p:childTnLst>
+                    </p:cTn>
+                  </p:par>
+                </p:childTnLst>
+              </p:cTn>
+              <p:prevCondLst>
+                <p:cond evt="onPrev" delay="0">
+                  <p:tgtEl>
+                    <p:sldTgt/>
+                  </p:tgtEl>
+                </p:cond>
+              </p:prevCondLst>
+              <p:nextCondLst>
+                <p:cond evt="onNext" delay="0">
+                  <p:tgtEl>
+                    <p:sldTgt/>
+                  </p:tgtEl>
+                </p:cond>
+              </p:nextCondLst>
+            </p:seq>
+          </p:childTnLst>
+        </p:cTn>
+      </p:par>
+    </p:tnLst>
+    <p:bldLst>
+      <p:bldP spid="5" grpId="0" animBg="1"/>
+      <p:bldP spid="6" grpId="0" animBg="1"/>
+      <p:bldP spid="7" grpId="0" animBg="1"/>
+      <p:bldP spid="8" grpId="0" animBg="1"/>
+      <p:bldP spid="9" grpId="0" animBg="1"/>
+      <p:bldP spid="10" grpId="0" animBg="1"/>
+      <p:bldP spid="11" grpId="0" animBg="1"/>
+      <p:bldP spid="12" grpId="0" animBg="1"/>
+      <p:bldP spid="13" grpId="0" animBg="1"/>
+      <p:bldP spid="15" grpId="0"/>
+    </p:bldLst>
+  </p:timing>
 </p:sld>
 </file>
 
@@ -14633,6 +15625,51 @@
                       </p:childTnLst>
                     </p:cTn>
                   </p:par>
+                  <p:par>
+                    <p:cTn id="31" fill="hold">
+                      <p:stCondLst>
+                        <p:cond delay="indefinite"/>
+                      </p:stCondLst>
+                      <p:childTnLst>
+                        <p:par>
+                          <p:cTn id="32" fill="hold">
+                            <p:stCondLst>
+                              <p:cond delay="0"/>
+                            </p:stCondLst>
+                            <p:childTnLst>
+                              <p:par>
+                                <p:cTn id="33" presetID="1" presetClass="entr" presetSubtype="0" fill="hold" grpId="0" nodeType="clickEffect">
+                                  <p:stCondLst>
+                                    <p:cond delay="0"/>
+                                  </p:stCondLst>
+                                  <p:childTnLst>
+                                    <p:set>
+                                      <p:cBhvr>
+                                        <p:cTn id="34" dur="1" fill="hold">
+                                          <p:stCondLst>
+                                            <p:cond delay="0"/>
+                                          </p:stCondLst>
+                                        </p:cTn>
+                                        <p:tgtEl>
+                                          <p:spTgt spid="8"/>
+                                        </p:tgtEl>
+                                        <p:attrNameLst>
+                                          <p:attrName>style.visibility</p:attrName>
+                                        </p:attrNameLst>
+                                      </p:cBhvr>
+                                      <p:to>
+                                        <p:strVal val="visible"/>
+                                      </p:to>
+                                    </p:set>
+                                  </p:childTnLst>
+                                </p:cTn>
+                              </p:par>
+                            </p:childTnLst>
+                          </p:cTn>
+                        </p:par>
+                      </p:childTnLst>
+                    </p:cTn>
+                  </p:par>
                 </p:childTnLst>
               </p:cTn>
               <p:prevCondLst>
@@ -14656,6 +15693,7 @@
     </p:tnLst>
     <p:bldLst>
       <p:bldP spid="6" grpId="0" animBg="1"/>
+      <p:bldP spid="8" grpId="0"/>
     </p:bldLst>
   </p:timing>
 </p:sld>
@@ -16133,6 +17171,51 @@
                       </p:childTnLst>
                     </p:cTn>
                   </p:par>
+                  <p:par>
+                    <p:cTn id="45" fill="hold">
+                      <p:stCondLst>
+                        <p:cond delay="indefinite"/>
+                      </p:stCondLst>
+                      <p:childTnLst>
+                        <p:par>
+                          <p:cTn id="46" fill="hold">
+                            <p:stCondLst>
+                              <p:cond delay="0"/>
+                            </p:stCondLst>
+                            <p:childTnLst>
+                              <p:par>
+                                <p:cTn id="47" presetID="1" presetClass="entr" presetSubtype="0" fill="hold" grpId="0" nodeType="clickEffect">
+                                  <p:stCondLst>
+                                    <p:cond delay="0"/>
+                                  </p:stCondLst>
+                                  <p:childTnLst>
+                                    <p:set>
+                                      <p:cBhvr>
+                                        <p:cTn id="48" dur="1" fill="hold">
+                                          <p:stCondLst>
+                                            <p:cond delay="0"/>
+                                          </p:stCondLst>
+                                        </p:cTn>
+                                        <p:tgtEl>
+                                          <p:spTgt spid="8"/>
+                                        </p:tgtEl>
+                                        <p:attrNameLst>
+                                          <p:attrName>style.visibility</p:attrName>
+                                        </p:attrNameLst>
+                                      </p:cBhvr>
+                                      <p:to>
+                                        <p:strVal val="visible"/>
+                                      </p:to>
+                                    </p:set>
+                                  </p:childTnLst>
+                                </p:cTn>
+                              </p:par>
+                            </p:childTnLst>
+                          </p:cTn>
+                        </p:par>
+                      </p:childTnLst>
+                    </p:cTn>
+                  </p:par>
                 </p:childTnLst>
               </p:cTn>
               <p:prevCondLst>
@@ -16157,6 +17240,7 @@
     <p:bldLst>
       <p:bldP spid="17" grpId="0" animBg="1"/>
       <p:bldP spid="18" grpId="0" animBg="1"/>
+      <p:bldP spid="8" grpId="0"/>
     </p:bldLst>
   </p:timing>
 </p:sld>
